--- a/ppt/If we can be presiden for one day.pptx
+++ b/ppt/If we can be presiden for one day.pptx
@@ -24,12 +24,13 @@
     <p:sldId id="273" r:id="rId18"/>
     <p:sldId id="274" r:id="rId19"/>
     <p:sldId id="275" r:id="rId20"/>
-    <p:sldId id="276" r:id="rId21"/>
-    <p:sldId id="277" r:id="rId22"/>
-    <p:sldId id="278" r:id="rId23"/>
-    <p:sldId id="279" r:id="rId24"/>
-    <p:sldId id="280" r:id="rId25"/>
-    <p:sldId id="281" r:id="rId26"/>
+    <p:sldId id="282" r:id="rId21"/>
+    <p:sldId id="276" r:id="rId22"/>
+    <p:sldId id="277" r:id="rId23"/>
+    <p:sldId id="278" r:id="rId24"/>
+    <p:sldId id="279" r:id="rId25"/>
+    <p:sldId id="280" r:id="rId26"/>
+    <p:sldId id="281" r:id="rId27"/>
   </p:sldIdLst>
   <p:sldSz cx="12192000" cy="6858000"/>
   <p:notesSz cx="6858000" cy="9144000"/>
@@ -134,6 +135,418 @@
     </p:ext>
   </p:extLst>
 </p:presentation>
+</file>
+
+<file path=ppt/commentAuthors.xml><?xml version="1.0" encoding="utf-8"?>
+<p:cmAuthorLst xmlns:a="http://schemas.openxmlformats.org/drawingml/2006/main" xmlns:r="http://schemas.openxmlformats.org/officeDocument/2006/relationships" xmlns:p="http://schemas.openxmlformats.org/presentationml/2006/main">
+  <p:cmAuthor id="1" name="hwang junhwa" initials="hj" lastIdx="1" clrIdx="0">
+    <p:extLst>
+      <p:ext uri="{19B8F6BF-5375-455C-9EA6-DF929625EA0E}">
+        <p15:presenceInfo xmlns:p15="http://schemas.microsoft.com/office/powerpoint/2012/main" userId="c8ba5834b6a328d7" providerId="Windows Live"/>
+      </p:ext>
+    </p:extLst>
+  </p:cmAuthor>
+</p:cmAuthorLst>
+</file>
+
+<file path=ppt/changesInfos/changesInfo1.xml><?xml version="1.0" encoding="utf-8"?>
+<pc:chgInfo xmlns:a="http://schemas.openxmlformats.org/drawingml/2006/main" xmlns:r="http://schemas.openxmlformats.org/officeDocument/2006/relationships" xmlns:ac="http://schemas.microsoft.com/office/drawing/2013/main/command" xmlns:pc="http://schemas.microsoft.com/office/powerpoint/2013/main/command">
+  <pc:docChgLst>
+    <pc:chgData name="hwang junhwa" userId="c8ba5834b6a328d7" providerId="LiveId" clId="{14C50920-703F-4AEA-8506-BD7B82764D63}"/>
+    <pc:docChg chg="undo custSel addSld modSld">
+      <pc:chgData name="hwang junhwa" userId="c8ba5834b6a328d7" providerId="LiveId" clId="{14C50920-703F-4AEA-8506-BD7B82764D63}" dt="2022-11-15T06:46:06.284" v="938"/>
+      <pc:docMkLst>
+        <pc:docMk/>
+      </pc:docMkLst>
+      <pc:sldChg chg="addSp delSp modSp mod modAnim">
+        <pc:chgData name="hwang junhwa" userId="c8ba5834b6a328d7" providerId="LiveId" clId="{14C50920-703F-4AEA-8506-BD7B82764D63}" dt="2022-11-13T09:56:11.357" v="262"/>
+        <pc:sldMkLst>
+          <pc:docMk/>
+          <pc:sldMk cId="370860592" sldId="275"/>
+        </pc:sldMkLst>
+        <pc:spChg chg="ord">
+          <ac:chgData name="hwang junhwa" userId="c8ba5834b6a328d7" providerId="LiveId" clId="{14C50920-703F-4AEA-8506-BD7B82764D63}" dt="2022-11-13T09:55:28.210" v="251" actId="166"/>
+          <ac:spMkLst>
+            <pc:docMk/>
+            <pc:sldMk cId="370860592" sldId="275"/>
+            <ac:spMk id="14" creationId="{70A2103C-F946-C23C-3D53-BB8EA977BD51}"/>
+          </ac:spMkLst>
+        </pc:spChg>
+        <pc:spChg chg="add mod">
+          <ac:chgData name="hwang junhwa" userId="c8ba5834b6a328d7" providerId="LiveId" clId="{14C50920-703F-4AEA-8506-BD7B82764D63}" dt="2022-11-13T09:53:54.628" v="45" actId="164"/>
+          <ac:spMkLst>
+            <pc:docMk/>
+            <pc:sldMk cId="370860592" sldId="275"/>
+            <ac:spMk id="20" creationId="{7A3EFEC1-B6F8-92A2-27D3-596FA5B8F7E3}"/>
+          </ac:spMkLst>
+        </pc:spChg>
+        <pc:spChg chg="add mod">
+          <ac:chgData name="hwang junhwa" userId="c8ba5834b6a328d7" providerId="LiveId" clId="{14C50920-703F-4AEA-8506-BD7B82764D63}" dt="2022-11-13T09:53:54.628" v="45" actId="164"/>
+          <ac:spMkLst>
+            <pc:docMk/>
+            <pc:sldMk cId="370860592" sldId="275"/>
+            <ac:spMk id="21" creationId="{69488E8C-B34C-1BA2-FBF2-BAFF8DAEDED2}"/>
+          </ac:spMkLst>
+        </pc:spChg>
+        <pc:spChg chg="add mod">
+          <ac:chgData name="hwang junhwa" userId="c8ba5834b6a328d7" providerId="LiveId" clId="{14C50920-703F-4AEA-8506-BD7B82764D63}" dt="2022-11-13T09:53:49.175" v="43" actId="164"/>
+          <ac:spMkLst>
+            <pc:docMk/>
+            <pc:sldMk cId="370860592" sldId="275"/>
+            <ac:spMk id="22" creationId="{CA253041-23F1-5BA9-7A97-6CBC3C646043}"/>
+          </ac:spMkLst>
+        </pc:spChg>
+        <pc:spChg chg="add mod">
+          <ac:chgData name="hwang junhwa" userId="c8ba5834b6a328d7" providerId="LiveId" clId="{14C50920-703F-4AEA-8506-BD7B82764D63}" dt="2022-11-13T09:53:49.175" v="43" actId="164"/>
+          <ac:spMkLst>
+            <pc:docMk/>
+            <pc:sldMk cId="370860592" sldId="275"/>
+            <ac:spMk id="23" creationId="{921C9705-B9E1-5EBA-F337-7A3D462CC990}"/>
+          </ac:spMkLst>
+        </pc:spChg>
+        <pc:grpChg chg="add mod">
+          <ac:chgData name="hwang junhwa" userId="c8ba5834b6a328d7" providerId="LiveId" clId="{14C50920-703F-4AEA-8506-BD7B82764D63}" dt="2022-11-13T09:51:42.003" v="19" actId="164"/>
+          <ac:grpSpMkLst>
+            <pc:docMk/>
+            <pc:sldMk cId="370860592" sldId="275"/>
+            <ac:grpSpMk id="15" creationId="{E6EA87CC-BA3B-8F49-B1D7-250244C8ABC7}"/>
+          </ac:grpSpMkLst>
+        </pc:grpChg>
+        <pc:grpChg chg="add mod">
+          <ac:chgData name="hwang junhwa" userId="c8ba5834b6a328d7" providerId="LiveId" clId="{14C50920-703F-4AEA-8506-BD7B82764D63}" dt="2022-11-13T09:52:05.162" v="24" actId="167"/>
+          <ac:grpSpMkLst>
+            <pc:docMk/>
+            <pc:sldMk cId="370860592" sldId="275"/>
+            <ac:grpSpMk id="18" creationId="{D765068E-D39A-A09A-374B-005DE172E1B0}"/>
+          </ac:grpSpMkLst>
+        </pc:grpChg>
+        <pc:grpChg chg="add mod">
+          <ac:chgData name="hwang junhwa" userId="c8ba5834b6a328d7" providerId="LiveId" clId="{14C50920-703F-4AEA-8506-BD7B82764D63}" dt="2022-11-13T09:53:54.628" v="45" actId="164"/>
+          <ac:grpSpMkLst>
+            <pc:docMk/>
+            <pc:sldMk cId="370860592" sldId="275"/>
+            <ac:grpSpMk id="24" creationId="{42664107-9825-CF51-2370-F0FB07D08215}"/>
+          </ac:grpSpMkLst>
+        </pc:grpChg>
+        <pc:grpChg chg="add mod">
+          <ac:chgData name="hwang junhwa" userId="c8ba5834b6a328d7" providerId="LiveId" clId="{14C50920-703F-4AEA-8506-BD7B82764D63}" dt="2022-11-13T09:55:13.345" v="250" actId="1038"/>
+          <ac:grpSpMkLst>
+            <pc:docMk/>
+            <pc:sldMk cId="370860592" sldId="275"/>
+            <ac:grpSpMk id="25" creationId="{EACC3842-A0A4-F8F5-899C-E1941A620D8A}"/>
+          </ac:grpSpMkLst>
+        </pc:grpChg>
+        <pc:picChg chg="add mod">
+          <ac:chgData name="hwang junhwa" userId="c8ba5834b6a328d7" providerId="LiveId" clId="{14C50920-703F-4AEA-8506-BD7B82764D63}" dt="2022-11-13T09:50:21.123" v="6" actId="164"/>
+          <ac:picMkLst>
+            <pc:docMk/>
+            <pc:sldMk cId="370860592" sldId="275"/>
+            <ac:picMk id="13" creationId="{F53C46B8-6039-2BF9-D8EF-4D11A2C44E10}"/>
+          </ac:picMkLst>
+        </pc:picChg>
+        <pc:picChg chg="add mod">
+          <ac:chgData name="hwang junhwa" userId="c8ba5834b6a328d7" providerId="LiveId" clId="{14C50920-703F-4AEA-8506-BD7B82764D63}" dt="2022-11-13T09:51:42.003" v="19" actId="164"/>
+          <ac:picMkLst>
+            <pc:docMk/>
+            <pc:sldMk cId="370860592" sldId="275"/>
+            <ac:picMk id="16" creationId="{62504DD9-5359-2B1A-36F4-BE49D2A2CD6E}"/>
+          </ac:picMkLst>
+        </pc:picChg>
+        <pc:picChg chg="add mod">
+          <ac:chgData name="hwang junhwa" userId="c8ba5834b6a328d7" providerId="LiveId" clId="{14C50920-703F-4AEA-8506-BD7B82764D63}" dt="2022-11-13T09:51:42.003" v="19" actId="164"/>
+          <ac:picMkLst>
+            <pc:docMk/>
+            <pc:sldMk cId="370860592" sldId="275"/>
+            <ac:picMk id="17" creationId="{45791B4D-7D97-263B-59B9-28C1B6F2B8A8}"/>
+          </ac:picMkLst>
+        </pc:picChg>
+        <pc:picChg chg="add del mod">
+          <ac:chgData name="hwang junhwa" userId="c8ba5834b6a328d7" providerId="LiveId" clId="{14C50920-703F-4AEA-8506-BD7B82764D63}" dt="2022-11-13T09:53:07.778" v="30" actId="478"/>
+          <ac:picMkLst>
+            <pc:docMk/>
+            <pc:sldMk cId="370860592" sldId="275"/>
+            <ac:picMk id="19" creationId="{12F9B090-34E0-ECED-AF34-D29E7D77CD23}"/>
+          </ac:picMkLst>
+        </pc:picChg>
+        <pc:picChg chg="add mod">
+          <ac:chgData name="hwang junhwa" userId="c8ba5834b6a328d7" providerId="LiveId" clId="{14C50920-703F-4AEA-8506-BD7B82764D63}" dt="2022-11-13T09:50:21.123" v="6" actId="164"/>
+          <ac:picMkLst>
+            <pc:docMk/>
+            <pc:sldMk cId="370860592" sldId="275"/>
+            <ac:picMk id="1026" creationId="{3E0F17F1-A973-F2FC-2A5E-7273E7D9ADE9}"/>
+          </ac:picMkLst>
+        </pc:picChg>
+      </pc:sldChg>
+      <pc:sldChg chg="addSp delSp modSp mod modTransition modAnim">
+        <pc:chgData name="hwang junhwa" userId="c8ba5834b6a328d7" providerId="LiveId" clId="{14C50920-703F-4AEA-8506-BD7B82764D63}" dt="2022-11-15T06:46:06.284" v="938"/>
+        <pc:sldMkLst>
+          <pc:docMk/>
+          <pc:sldMk cId="3398322030" sldId="276"/>
+        </pc:sldMkLst>
+        <pc:spChg chg="add mod ord topLvl">
+          <ac:chgData name="hwang junhwa" userId="c8ba5834b6a328d7" providerId="LiveId" clId="{14C50920-703F-4AEA-8506-BD7B82764D63}" dt="2022-11-13T22:27:06.668" v="742" actId="164"/>
+          <ac:spMkLst>
+            <pc:docMk/>
+            <pc:sldMk cId="3398322030" sldId="276"/>
+            <ac:spMk id="3" creationId="{E29BF6E7-4A9D-CCC9-0C28-B295704B2BE3}"/>
+          </ac:spMkLst>
+        </pc:spChg>
+        <pc:spChg chg="mod ord">
+          <ac:chgData name="hwang junhwa" userId="c8ba5834b6a328d7" providerId="LiveId" clId="{14C50920-703F-4AEA-8506-BD7B82764D63}" dt="2022-11-13T22:43:07.965" v="830" actId="167"/>
+          <ac:spMkLst>
+            <pc:docMk/>
+            <pc:sldMk cId="3398322030" sldId="276"/>
+            <ac:spMk id="8" creationId="{4BDCB5BA-6201-3EC2-67E7-AB66C00551D0}"/>
+          </ac:spMkLst>
+        </pc:spChg>
+        <pc:spChg chg="add mod topLvl">
+          <ac:chgData name="hwang junhwa" userId="c8ba5834b6a328d7" providerId="LiveId" clId="{14C50920-703F-4AEA-8506-BD7B82764D63}" dt="2022-11-13T22:27:10.247" v="743" actId="164"/>
+          <ac:spMkLst>
+            <pc:docMk/>
+            <pc:sldMk cId="3398322030" sldId="276"/>
+            <ac:spMk id="26" creationId="{53618E3D-3210-48CE-CA69-31182B323F07}"/>
+          </ac:spMkLst>
+        </pc:spChg>
+        <pc:spChg chg="add mod topLvl">
+          <ac:chgData name="hwang junhwa" userId="c8ba5834b6a328d7" providerId="LiveId" clId="{14C50920-703F-4AEA-8506-BD7B82764D63}" dt="2022-11-13T22:27:06.668" v="742" actId="164"/>
+          <ac:spMkLst>
+            <pc:docMk/>
+            <pc:sldMk cId="3398322030" sldId="276"/>
+            <ac:spMk id="27" creationId="{B05158C9-F3BE-D292-16A4-482D4B1E8FF7}"/>
+          </ac:spMkLst>
+        </pc:spChg>
+        <pc:spChg chg="add mod topLvl">
+          <ac:chgData name="hwang junhwa" userId="c8ba5834b6a328d7" providerId="LiveId" clId="{14C50920-703F-4AEA-8506-BD7B82764D63}" dt="2022-11-13T22:27:10.247" v="743" actId="164"/>
+          <ac:spMkLst>
+            <pc:docMk/>
+            <pc:sldMk cId="3398322030" sldId="276"/>
+            <ac:spMk id="28" creationId="{4F4391B1-E51D-DD69-6165-E4F5BF7AA169}"/>
+          </ac:spMkLst>
+        </pc:spChg>
+        <pc:grpChg chg="ord">
+          <ac:chgData name="hwang junhwa" userId="c8ba5834b6a328d7" providerId="LiveId" clId="{14C50920-703F-4AEA-8506-BD7B82764D63}" dt="2022-11-13T22:43:10.837" v="831" actId="167"/>
+          <ac:grpSpMkLst>
+            <pc:docMk/>
+            <pc:sldMk cId="3398322030" sldId="276"/>
+            <ac:grpSpMk id="4" creationId="{7091D426-FF26-2001-3CE0-4BBABCBA37A5}"/>
+          </ac:grpSpMkLst>
+        </pc:grpChg>
+        <pc:grpChg chg="mod">
+          <ac:chgData name="hwang junhwa" userId="c8ba5834b6a328d7" providerId="LiveId" clId="{14C50920-703F-4AEA-8506-BD7B82764D63}" dt="2022-11-13T22:44:01.089" v="925" actId="1036"/>
+          <ac:grpSpMkLst>
+            <pc:docMk/>
+            <pc:sldMk cId="3398322030" sldId="276"/>
+            <ac:grpSpMk id="9" creationId="{C43E3EDA-0769-23BE-0DE0-6397EFCFD419}"/>
+          </ac:grpSpMkLst>
+        </pc:grpChg>
+        <pc:grpChg chg="add del mod">
+          <ac:chgData name="hwang junhwa" userId="c8ba5834b6a328d7" providerId="LiveId" clId="{14C50920-703F-4AEA-8506-BD7B82764D63}" dt="2022-11-13T22:26:13.151" v="703" actId="165"/>
+          <ac:grpSpMkLst>
+            <pc:docMk/>
+            <pc:sldMk cId="3398322030" sldId="276"/>
+            <ac:grpSpMk id="29" creationId="{C94D957C-A58C-744F-9F1C-B02C24FBF83E}"/>
+          </ac:grpSpMkLst>
+        </pc:grpChg>
+        <pc:grpChg chg="add del mod">
+          <ac:chgData name="hwang junhwa" userId="c8ba5834b6a328d7" providerId="LiveId" clId="{14C50920-703F-4AEA-8506-BD7B82764D63}" dt="2022-11-13T22:26:20.575" v="704" actId="165"/>
+          <ac:grpSpMkLst>
+            <pc:docMk/>
+            <pc:sldMk cId="3398322030" sldId="276"/>
+            <ac:grpSpMk id="30" creationId="{042E87F0-9A87-1540-1D8D-B33FF98CEEBF}"/>
+          </ac:grpSpMkLst>
+        </pc:grpChg>
+        <pc:grpChg chg="add mod ord">
+          <ac:chgData name="hwang junhwa" userId="c8ba5834b6a328d7" providerId="LiveId" clId="{14C50920-703F-4AEA-8506-BD7B82764D63}" dt="2022-11-13T22:29:11.310" v="809" actId="1036"/>
+          <ac:grpSpMkLst>
+            <pc:docMk/>
+            <pc:sldMk cId="3398322030" sldId="276"/>
+            <ac:grpSpMk id="31" creationId="{8F0ACCDC-8081-5573-754E-96494BC2C58E}"/>
+          </ac:grpSpMkLst>
+        </pc:grpChg>
+        <pc:grpChg chg="add mod ord">
+          <ac:chgData name="hwang junhwa" userId="c8ba5834b6a328d7" providerId="LiveId" clId="{14C50920-703F-4AEA-8506-BD7B82764D63}" dt="2022-11-13T22:43:32.955" v="880" actId="1036"/>
+          <ac:grpSpMkLst>
+            <pc:docMk/>
+            <pc:sldMk cId="3398322030" sldId="276"/>
+            <ac:grpSpMk id="32" creationId="{B8430023-C325-55DE-F7E7-47E863E13234}"/>
+          </ac:grpSpMkLst>
+        </pc:grpChg>
+      </pc:sldChg>
+      <pc:sldChg chg="addSp modSp modAnim">
+        <pc:chgData name="hwang junhwa" userId="c8ba5834b6a328d7" providerId="LiveId" clId="{14C50920-703F-4AEA-8506-BD7B82764D63}" dt="2022-11-13T22:21:52.104" v="673"/>
+        <pc:sldMkLst>
+          <pc:docMk/>
+          <pc:sldMk cId="1395550275" sldId="277"/>
+        </pc:sldMkLst>
+        <pc:spChg chg="mod">
+          <ac:chgData name="hwang junhwa" userId="c8ba5834b6a328d7" providerId="LiveId" clId="{14C50920-703F-4AEA-8506-BD7B82764D63}" dt="2022-11-13T10:33:08.662" v="669" actId="403"/>
+          <ac:spMkLst>
+            <pc:docMk/>
+            <pc:sldMk cId="1395550275" sldId="277"/>
+            <ac:spMk id="4" creationId="{05C9142D-6681-1702-A906-DFF22369EB77}"/>
+          </ac:spMkLst>
+        </pc:spChg>
+        <pc:grpChg chg="add mod">
+          <ac:chgData name="hwang junhwa" userId="c8ba5834b6a328d7" providerId="LiveId" clId="{14C50920-703F-4AEA-8506-BD7B82764D63}" dt="2022-11-13T22:21:33.720" v="671" actId="167"/>
+          <ac:grpSpMkLst>
+            <pc:docMk/>
+            <pc:sldMk cId="1395550275" sldId="277"/>
+            <ac:grpSpMk id="2" creationId="{139E82D4-024E-C893-2A7C-E76639EECACD}"/>
+          </ac:grpSpMkLst>
+        </pc:grpChg>
+        <pc:grpChg chg="mod">
+          <ac:chgData name="hwang junhwa" userId="c8ba5834b6a328d7" providerId="LiveId" clId="{14C50920-703F-4AEA-8506-BD7B82764D63}" dt="2022-11-13T22:21:30.663" v="670"/>
+          <ac:grpSpMkLst>
+            <pc:docMk/>
+            <pc:sldMk cId="1395550275" sldId="277"/>
+            <ac:grpSpMk id="3" creationId="{9154683A-BD4C-5F11-2C00-F46C2C67C0B0}"/>
+          </ac:grpSpMkLst>
+        </pc:grpChg>
+        <pc:picChg chg="mod">
+          <ac:chgData name="hwang junhwa" userId="c8ba5834b6a328d7" providerId="LiveId" clId="{14C50920-703F-4AEA-8506-BD7B82764D63}" dt="2022-11-13T22:21:30.663" v="670"/>
+          <ac:picMkLst>
+            <pc:docMk/>
+            <pc:sldMk cId="1395550275" sldId="277"/>
+            <ac:picMk id="6" creationId="{FACABC4F-58A2-678A-F134-5A1C89ECC6A6}"/>
+          </ac:picMkLst>
+        </pc:picChg>
+        <pc:picChg chg="mod">
+          <ac:chgData name="hwang junhwa" userId="c8ba5834b6a328d7" providerId="LiveId" clId="{14C50920-703F-4AEA-8506-BD7B82764D63}" dt="2022-11-13T22:21:30.663" v="670"/>
+          <ac:picMkLst>
+            <pc:docMk/>
+            <pc:sldMk cId="1395550275" sldId="277"/>
+            <ac:picMk id="7" creationId="{EA597CA8-7CBE-2574-C983-0923A33CA161}"/>
+          </ac:picMkLst>
+        </pc:picChg>
+        <pc:picChg chg="mod">
+          <ac:chgData name="hwang junhwa" userId="c8ba5834b6a328d7" providerId="LiveId" clId="{14C50920-703F-4AEA-8506-BD7B82764D63}" dt="2022-11-13T22:21:30.663" v="670"/>
+          <ac:picMkLst>
+            <pc:docMk/>
+            <pc:sldMk cId="1395550275" sldId="277"/>
+            <ac:picMk id="8" creationId="{2C820DAD-4E92-B857-EF79-6E836EACDC29}"/>
+          </ac:picMkLst>
+        </pc:picChg>
+        <pc:picChg chg="mod">
+          <ac:chgData name="hwang junhwa" userId="c8ba5834b6a328d7" providerId="LiveId" clId="{14C50920-703F-4AEA-8506-BD7B82764D63}" dt="2022-11-13T22:21:30.663" v="670"/>
+          <ac:picMkLst>
+            <pc:docMk/>
+            <pc:sldMk cId="1395550275" sldId="277"/>
+            <ac:picMk id="9" creationId="{BE468381-C81F-AF35-0C95-AC5D7975536C}"/>
+          </ac:picMkLst>
+        </pc:picChg>
+      </pc:sldChg>
+      <pc:sldChg chg="addSp delSp modSp new mod modTransition modAnim addCm">
+        <pc:chgData name="hwang junhwa" userId="c8ba5834b6a328d7" providerId="LiveId" clId="{14C50920-703F-4AEA-8506-BD7B82764D63}" dt="2022-11-13T10:32:29.378" v="665"/>
+        <pc:sldMkLst>
+          <pc:docMk/>
+          <pc:sldMk cId="2775612107" sldId="282"/>
+        </pc:sldMkLst>
+        <pc:spChg chg="del">
+          <ac:chgData name="hwang junhwa" userId="c8ba5834b6a328d7" providerId="LiveId" clId="{14C50920-703F-4AEA-8506-BD7B82764D63}" dt="2022-11-13T09:56:46.303" v="264" actId="478"/>
+          <ac:spMkLst>
+            <pc:docMk/>
+            <pc:sldMk cId="2775612107" sldId="282"/>
+            <ac:spMk id="2" creationId="{06BAD687-C987-2BE0-24E3-FBFD217B685B}"/>
+          </ac:spMkLst>
+        </pc:spChg>
+        <pc:spChg chg="del">
+          <ac:chgData name="hwang junhwa" userId="c8ba5834b6a328d7" providerId="LiveId" clId="{14C50920-703F-4AEA-8506-BD7B82764D63}" dt="2022-11-13T09:56:46.303" v="264" actId="478"/>
+          <ac:spMkLst>
+            <pc:docMk/>
+            <pc:sldMk cId="2775612107" sldId="282"/>
+            <ac:spMk id="3" creationId="{CC587E76-F160-92CD-5876-5460EB72763C}"/>
+          </ac:spMkLst>
+        </pc:spChg>
+        <pc:spChg chg="add mod">
+          <ac:chgData name="hwang junhwa" userId="c8ba5834b6a328d7" providerId="LiveId" clId="{14C50920-703F-4AEA-8506-BD7B82764D63}" dt="2022-11-13T09:59:33.995" v="307" actId="207"/>
+          <ac:spMkLst>
+            <pc:docMk/>
+            <pc:sldMk cId="2775612107" sldId="282"/>
+            <ac:spMk id="6" creationId="{53D301E4-1875-A8EF-4084-E05F39E2A7F1}"/>
+          </ac:spMkLst>
+        </pc:spChg>
+        <pc:spChg chg="add del mod">
+          <ac:chgData name="hwang junhwa" userId="c8ba5834b6a328d7" providerId="LiveId" clId="{14C50920-703F-4AEA-8506-BD7B82764D63}" dt="2022-11-13T10:15:27.407" v="572" actId="478"/>
+          <ac:spMkLst>
+            <pc:docMk/>
+            <pc:sldMk cId="2775612107" sldId="282"/>
+            <ac:spMk id="7" creationId="{0DAA4000-081E-D51D-94A4-7FAF279FBDAC}"/>
+          </ac:spMkLst>
+        </pc:spChg>
+        <pc:spChg chg="add del mod">
+          <ac:chgData name="hwang junhwa" userId="c8ba5834b6a328d7" providerId="LiveId" clId="{14C50920-703F-4AEA-8506-BD7B82764D63}" dt="2022-11-13T10:15:56.305" v="577" actId="478"/>
+          <ac:spMkLst>
+            <pc:docMk/>
+            <pc:sldMk cId="2775612107" sldId="282"/>
+            <ac:spMk id="8" creationId="{70BC7AEF-D73C-3B07-2A4D-85E337B703ED}"/>
+          </ac:spMkLst>
+        </pc:spChg>
+        <pc:picChg chg="add del mod">
+          <ac:chgData name="hwang junhwa" userId="c8ba5834b6a328d7" providerId="LiveId" clId="{14C50920-703F-4AEA-8506-BD7B82764D63}" dt="2022-11-13T10:05:35.261" v="351" actId="478"/>
+          <ac:picMkLst>
+            <pc:docMk/>
+            <pc:sldMk cId="2775612107" sldId="282"/>
+            <ac:picMk id="4" creationId="{3CE334B5-1194-4B49-00F5-5F768E7D3BE1}"/>
+          </ac:picMkLst>
+        </pc:picChg>
+        <pc:picChg chg="add del mod">
+          <ac:chgData name="hwang junhwa" userId="c8ba5834b6a328d7" providerId="LiveId" clId="{14C50920-703F-4AEA-8506-BD7B82764D63}" dt="2022-11-13T09:57:39.307" v="286" actId="478"/>
+          <ac:picMkLst>
+            <pc:docMk/>
+            <pc:sldMk cId="2775612107" sldId="282"/>
+            <ac:picMk id="5" creationId="{FDE3A15B-8EF1-1B88-E7E2-AC288C51D13A}"/>
+          </ac:picMkLst>
+        </pc:picChg>
+        <pc:picChg chg="add mod">
+          <ac:chgData name="hwang junhwa" userId="c8ba5834b6a328d7" providerId="LiveId" clId="{14C50920-703F-4AEA-8506-BD7B82764D63}" dt="2022-11-13T10:30:47.816" v="651" actId="14100"/>
+          <ac:picMkLst>
+            <pc:docMk/>
+            <pc:sldMk cId="2775612107" sldId="282"/>
+            <ac:picMk id="9" creationId="{F9CAE371-CD13-5D49-64E9-D4E3913A5E86}"/>
+          </ac:picMkLst>
+        </pc:picChg>
+        <pc:picChg chg="add mod">
+          <ac:chgData name="hwang junhwa" userId="c8ba5834b6a328d7" providerId="LiveId" clId="{14C50920-703F-4AEA-8506-BD7B82764D63}" dt="2022-11-13T10:19:26.712" v="600" actId="688"/>
+          <ac:picMkLst>
+            <pc:docMk/>
+            <pc:sldMk cId="2775612107" sldId="282"/>
+            <ac:picMk id="10" creationId="{59B729C5-5605-CFC6-0A35-B61B94232D0F}"/>
+          </ac:picMkLst>
+        </pc:picChg>
+        <pc:picChg chg="add del mod">
+          <ac:chgData name="hwang junhwa" userId="c8ba5834b6a328d7" providerId="LiveId" clId="{14C50920-703F-4AEA-8506-BD7B82764D63}" dt="2022-11-13T10:17:50.753" v="590" actId="478"/>
+          <ac:picMkLst>
+            <pc:docMk/>
+            <pc:sldMk cId="2775612107" sldId="282"/>
+            <ac:picMk id="2050" creationId="{5834FA06-12DB-F55A-3271-669ADC480290}"/>
+          </ac:picMkLst>
+        </pc:picChg>
+        <pc:picChg chg="add del mod">
+          <ac:chgData name="hwang junhwa" userId="c8ba5834b6a328d7" providerId="LiveId" clId="{14C50920-703F-4AEA-8506-BD7B82764D63}" dt="2022-11-13T10:05:36.173" v="352" actId="478"/>
+          <ac:picMkLst>
+            <pc:docMk/>
+            <pc:sldMk cId="2775612107" sldId="282"/>
+            <ac:picMk id="2052" creationId="{940D1BAD-3C52-BCC2-6FDC-B5F4DC52CE6A}"/>
+          </ac:picMkLst>
+        </pc:picChg>
+      </pc:sldChg>
+    </pc:docChg>
+  </pc:docChgLst>
+</pc:chgInfo>
+</file>
+
+<file path=ppt/comments/comment1.xml><?xml version="1.0" encoding="utf-8"?>
+<p:cmLst xmlns:a="http://schemas.openxmlformats.org/drawingml/2006/main" xmlns:r="http://schemas.openxmlformats.org/officeDocument/2006/relationships" xmlns:p="http://schemas.openxmlformats.org/presentationml/2006/main">
+  <p:cm authorId="1" dt="2022-11-13T19:14:19.471" idx="1">
+    <p:pos x="4254" y="-1374"/>
+    <p:text/>
+    <p:extLst>
+      <p:ext uri="{C676402C-5697-4E1C-873F-D02D1690AC5C}">
+        <p15:threadingInfo xmlns:p15="http://schemas.microsoft.com/office/powerpoint/2012/main" timeZoneBias="-540"/>
+      </p:ext>
+    </p:extLst>
+  </p:cm>
+</p:cmLst>
 </file>
 
 <file path=ppt/slideLayouts/slideLayout1.xml><?xml version="1.0" encoding="utf-8"?>
@@ -283,7 +696,7 @@
           <a:p>
             <a:fld id="{5C9BAD06-D5D1-4B0E-AEC7-4EE643882455}" type="datetimeFigureOut">
               <a:rPr lang="ko-KR" altLang="en-US" smtClean="0"/>
-              <a:t>2022-11-08</a:t>
+              <a:t>2022-11-15</a:t>
             </a:fld>
             <a:endParaRPr lang="ko-KR" altLang="en-US"/>
           </a:p>
@@ -481,7 +894,7 @@
           <a:p>
             <a:fld id="{5C9BAD06-D5D1-4B0E-AEC7-4EE643882455}" type="datetimeFigureOut">
               <a:rPr lang="ko-KR" altLang="en-US" smtClean="0"/>
-              <a:t>2022-11-08</a:t>
+              <a:t>2022-11-15</a:t>
             </a:fld>
             <a:endParaRPr lang="ko-KR" altLang="en-US"/>
           </a:p>
@@ -689,7 +1102,7 @@
           <a:p>
             <a:fld id="{5C9BAD06-D5D1-4B0E-AEC7-4EE643882455}" type="datetimeFigureOut">
               <a:rPr lang="ko-KR" altLang="en-US" smtClean="0"/>
-              <a:t>2022-11-08</a:t>
+              <a:t>2022-11-15</a:t>
             </a:fld>
             <a:endParaRPr lang="ko-KR" altLang="en-US"/>
           </a:p>
@@ -887,7 +1300,7 @@
           <a:p>
             <a:fld id="{5C9BAD06-D5D1-4B0E-AEC7-4EE643882455}" type="datetimeFigureOut">
               <a:rPr lang="ko-KR" altLang="en-US" smtClean="0"/>
-              <a:t>2022-11-08</a:t>
+              <a:t>2022-11-15</a:t>
             </a:fld>
             <a:endParaRPr lang="ko-KR" altLang="en-US"/>
           </a:p>
@@ -1162,7 +1575,7 @@
           <a:p>
             <a:fld id="{5C9BAD06-D5D1-4B0E-AEC7-4EE643882455}" type="datetimeFigureOut">
               <a:rPr lang="ko-KR" altLang="en-US" smtClean="0"/>
-              <a:t>2022-11-08</a:t>
+              <a:t>2022-11-15</a:t>
             </a:fld>
             <a:endParaRPr lang="ko-KR" altLang="en-US"/>
           </a:p>
@@ -1427,7 +1840,7 @@
           <a:p>
             <a:fld id="{5C9BAD06-D5D1-4B0E-AEC7-4EE643882455}" type="datetimeFigureOut">
               <a:rPr lang="ko-KR" altLang="en-US" smtClean="0"/>
-              <a:t>2022-11-08</a:t>
+              <a:t>2022-11-15</a:t>
             </a:fld>
             <a:endParaRPr lang="ko-KR" altLang="en-US"/>
           </a:p>
@@ -1839,7 +2252,7 @@
           <a:p>
             <a:fld id="{5C9BAD06-D5D1-4B0E-AEC7-4EE643882455}" type="datetimeFigureOut">
               <a:rPr lang="ko-KR" altLang="en-US" smtClean="0"/>
-              <a:t>2022-11-08</a:t>
+              <a:t>2022-11-15</a:t>
             </a:fld>
             <a:endParaRPr lang="ko-KR" altLang="en-US"/>
           </a:p>
@@ -1980,7 +2393,7 @@
           <a:p>
             <a:fld id="{5C9BAD06-D5D1-4B0E-AEC7-4EE643882455}" type="datetimeFigureOut">
               <a:rPr lang="ko-KR" altLang="en-US" smtClean="0"/>
-              <a:t>2022-11-08</a:t>
+              <a:t>2022-11-15</a:t>
             </a:fld>
             <a:endParaRPr lang="ko-KR" altLang="en-US"/>
           </a:p>
@@ -2093,7 +2506,7 @@
           <a:p>
             <a:fld id="{5C9BAD06-D5D1-4B0E-AEC7-4EE643882455}" type="datetimeFigureOut">
               <a:rPr lang="ko-KR" altLang="en-US" smtClean="0"/>
-              <a:t>2022-11-08</a:t>
+              <a:t>2022-11-15</a:t>
             </a:fld>
             <a:endParaRPr lang="ko-KR" altLang="en-US"/>
           </a:p>
@@ -2404,7 +2817,7 @@
           <a:p>
             <a:fld id="{5C9BAD06-D5D1-4B0E-AEC7-4EE643882455}" type="datetimeFigureOut">
               <a:rPr lang="ko-KR" altLang="en-US" smtClean="0"/>
-              <a:t>2022-11-08</a:t>
+              <a:t>2022-11-15</a:t>
             </a:fld>
             <a:endParaRPr lang="ko-KR" altLang="en-US"/>
           </a:p>
@@ -2692,7 +3105,7 @@
           <a:p>
             <a:fld id="{5C9BAD06-D5D1-4B0E-AEC7-4EE643882455}" type="datetimeFigureOut">
               <a:rPr lang="ko-KR" altLang="en-US" smtClean="0"/>
-              <a:t>2022-11-08</a:t>
+              <a:t>2022-11-15</a:t>
             </a:fld>
             <a:endParaRPr lang="ko-KR" altLang="en-US"/>
           </a:p>
@@ -2933,7 +3346,7 @@
           <a:p>
             <a:fld id="{5C9BAD06-D5D1-4B0E-AEC7-4EE643882455}" type="datetimeFigureOut">
               <a:rPr lang="ko-KR" altLang="en-US" smtClean="0"/>
-              <a:t>2022-11-08</a:t>
+              <a:t>2022-11-15</a:t>
             </a:fld>
             <a:endParaRPr lang="ko-KR" altLang="en-US"/>
           </a:p>
@@ -13200,6 +13613,236 @@
       </p:grpSpPr>
       <p:grpSp>
         <p:nvGrpSpPr>
+          <p:cNvPr id="18" name="그룹 17">
+            <a:extLst>
+              <a:ext uri="{FF2B5EF4-FFF2-40B4-BE49-F238E27FC236}">
+                <a16:creationId xmlns:a16="http://schemas.microsoft.com/office/drawing/2014/main" id="{D765068E-D39A-A09A-374B-005DE172E1B0}"/>
+              </a:ext>
+            </a:extLst>
+          </p:cNvPr>
+          <p:cNvGrpSpPr/>
+          <p:nvPr/>
+        </p:nvGrpSpPr>
+        <p:grpSpPr>
+          <a:xfrm>
+            <a:off x="0" y="-1"/>
+            <a:ext cx="12192000" cy="27540716"/>
+            <a:chOff x="0" y="-1"/>
+            <a:chExt cx="12192000" cy="27540716"/>
+          </a:xfrm>
+        </p:grpSpPr>
+        <p:grpSp>
+          <p:nvGrpSpPr>
+            <p:cNvPr id="15" name="그룹 14">
+              <a:extLst>
+                <a:ext uri="{FF2B5EF4-FFF2-40B4-BE49-F238E27FC236}">
+                  <a16:creationId xmlns:a16="http://schemas.microsoft.com/office/drawing/2014/main" id="{E6EA87CC-BA3B-8F49-B1D7-250244C8ABC7}"/>
+                </a:ext>
+              </a:extLst>
+            </p:cNvPr>
+            <p:cNvGrpSpPr/>
+            <p:nvPr/>
+          </p:nvGrpSpPr>
+          <p:grpSpPr>
+            <a:xfrm>
+              <a:off x="0" y="-1"/>
+              <a:ext cx="12192000" cy="13770358"/>
+              <a:chOff x="0" y="-1"/>
+              <a:chExt cx="12192000" cy="13770358"/>
+            </a:xfrm>
+          </p:grpSpPr>
+          <p:pic>
+            <p:nvPicPr>
+              <p:cNvPr id="1026" name="Picture 2" descr="무지게 배경에 대한 이미지 결과">
+                <a:extLst>
+                  <a:ext uri="{FF2B5EF4-FFF2-40B4-BE49-F238E27FC236}">
+                    <a16:creationId xmlns:a16="http://schemas.microsoft.com/office/drawing/2014/main" id="{3E0F17F1-A973-F2FC-2A5E-7273E7D9ADE9}"/>
+                  </a:ext>
+                </a:extLst>
+              </p:cNvPr>
+              <p:cNvPicPr>
+                <a:picLocks noChangeAspect="1" noChangeArrowheads="1"/>
+              </p:cNvPicPr>
+              <p:nvPr/>
+            </p:nvPicPr>
+            <p:blipFill>
+              <a:blip r:embed="rId2">
+                <a:extLst>
+                  <a:ext uri="{28A0092B-C50C-407E-A947-70E740481C1C}">
+                    <a14:useLocalDpi xmlns:a14="http://schemas.microsoft.com/office/drawing/2010/main" val="0"/>
+                  </a:ext>
+                </a:extLst>
+              </a:blip>
+              <a:srcRect/>
+              <a:stretch>
+                <a:fillRect/>
+              </a:stretch>
+            </p:blipFill>
+            <p:spPr bwMode="auto">
+              <a:xfrm>
+                <a:off x="0" y="-1"/>
+                <a:ext cx="12192000" cy="6885179"/>
+              </a:xfrm>
+              <a:prstGeom prst="rect">
+                <a:avLst/>
+              </a:prstGeom>
+              <a:noFill/>
+              <a:extLst>
+                <a:ext uri="{909E8E84-426E-40DD-AFC4-6F175D3DCCD1}">
+                  <a14:hiddenFill xmlns:a14="http://schemas.microsoft.com/office/drawing/2010/main">
+                    <a:solidFill>
+                      <a:srgbClr val="FFFFFF"/>
+                    </a:solidFill>
+                  </a14:hiddenFill>
+                </a:ext>
+              </a:extLst>
+            </p:spPr>
+          </p:pic>
+          <p:pic>
+            <p:nvPicPr>
+              <p:cNvPr id="13" name="Picture 2" descr="무지게 배경에 대한 이미지 결과">
+                <a:extLst>
+                  <a:ext uri="{FF2B5EF4-FFF2-40B4-BE49-F238E27FC236}">
+                    <a16:creationId xmlns:a16="http://schemas.microsoft.com/office/drawing/2014/main" id="{F53C46B8-6039-2BF9-D8EF-4D11A2C44E10}"/>
+                  </a:ext>
+                </a:extLst>
+              </p:cNvPr>
+              <p:cNvPicPr>
+                <a:picLocks noChangeAspect="1" noChangeArrowheads="1"/>
+              </p:cNvPicPr>
+              <p:nvPr/>
+            </p:nvPicPr>
+            <p:blipFill>
+              <a:blip r:embed="rId2">
+                <a:extLst>
+                  <a:ext uri="{28A0092B-C50C-407E-A947-70E740481C1C}">
+                    <a14:useLocalDpi xmlns:a14="http://schemas.microsoft.com/office/drawing/2010/main" val="0"/>
+                  </a:ext>
+                </a:extLst>
+              </a:blip>
+              <a:srcRect/>
+              <a:stretch>
+                <a:fillRect/>
+              </a:stretch>
+            </p:blipFill>
+            <p:spPr bwMode="auto">
+              <a:xfrm>
+                <a:off x="0" y="6885178"/>
+                <a:ext cx="12192000" cy="6885179"/>
+              </a:xfrm>
+              <a:prstGeom prst="rect">
+                <a:avLst/>
+              </a:prstGeom>
+              <a:noFill/>
+              <a:extLst>
+                <a:ext uri="{909E8E84-426E-40DD-AFC4-6F175D3DCCD1}">
+                  <a14:hiddenFill xmlns:a14="http://schemas.microsoft.com/office/drawing/2010/main">
+                    <a:solidFill>
+                      <a:srgbClr val="FFFFFF"/>
+                    </a:solidFill>
+                  </a14:hiddenFill>
+                </a:ext>
+              </a:extLst>
+            </p:spPr>
+          </p:pic>
+        </p:grpSp>
+        <p:pic>
+          <p:nvPicPr>
+            <p:cNvPr id="16" name="Picture 2" descr="무지게 배경에 대한 이미지 결과">
+              <a:extLst>
+                <a:ext uri="{FF2B5EF4-FFF2-40B4-BE49-F238E27FC236}">
+                  <a16:creationId xmlns:a16="http://schemas.microsoft.com/office/drawing/2014/main" id="{62504DD9-5359-2B1A-36F4-BE49D2A2CD6E}"/>
+                </a:ext>
+              </a:extLst>
+            </p:cNvPr>
+            <p:cNvPicPr>
+              <a:picLocks noChangeAspect="1" noChangeArrowheads="1"/>
+            </p:cNvPicPr>
+            <p:nvPr/>
+          </p:nvPicPr>
+          <p:blipFill>
+            <a:blip r:embed="rId2">
+              <a:extLst>
+                <a:ext uri="{28A0092B-C50C-407E-A947-70E740481C1C}">
+                  <a14:useLocalDpi xmlns:a14="http://schemas.microsoft.com/office/drawing/2010/main" val="0"/>
+                </a:ext>
+              </a:extLst>
+            </a:blip>
+            <a:srcRect/>
+            <a:stretch>
+              <a:fillRect/>
+            </a:stretch>
+          </p:blipFill>
+          <p:spPr bwMode="auto">
+            <a:xfrm>
+              <a:off x="0" y="13770357"/>
+              <a:ext cx="12192000" cy="6885179"/>
+            </a:xfrm>
+            <a:prstGeom prst="rect">
+              <a:avLst/>
+            </a:prstGeom>
+            <a:noFill/>
+            <a:extLst>
+              <a:ext uri="{909E8E84-426E-40DD-AFC4-6F175D3DCCD1}">
+                <a14:hiddenFill xmlns:a14="http://schemas.microsoft.com/office/drawing/2010/main">
+                  <a:solidFill>
+                    <a:srgbClr val="FFFFFF"/>
+                  </a:solidFill>
+                </a14:hiddenFill>
+              </a:ext>
+            </a:extLst>
+          </p:spPr>
+        </p:pic>
+        <p:pic>
+          <p:nvPicPr>
+            <p:cNvPr id="17" name="Picture 2" descr="무지게 배경에 대한 이미지 결과">
+              <a:extLst>
+                <a:ext uri="{FF2B5EF4-FFF2-40B4-BE49-F238E27FC236}">
+                  <a16:creationId xmlns:a16="http://schemas.microsoft.com/office/drawing/2014/main" id="{45791B4D-7D97-263B-59B9-28C1B6F2B8A8}"/>
+                </a:ext>
+              </a:extLst>
+            </p:cNvPr>
+            <p:cNvPicPr>
+              <a:picLocks noChangeAspect="1" noChangeArrowheads="1"/>
+            </p:cNvPicPr>
+            <p:nvPr/>
+          </p:nvPicPr>
+          <p:blipFill>
+            <a:blip r:embed="rId2">
+              <a:extLst>
+                <a:ext uri="{28A0092B-C50C-407E-A947-70E740481C1C}">
+                  <a14:useLocalDpi xmlns:a14="http://schemas.microsoft.com/office/drawing/2010/main" val="0"/>
+                </a:ext>
+              </a:extLst>
+            </a:blip>
+            <a:srcRect/>
+            <a:stretch>
+              <a:fillRect/>
+            </a:stretch>
+          </p:blipFill>
+          <p:spPr bwMode="auto">
+            <a:xfrm>
+              <a:off x="0" y="20655536"/>
+              <a:ext cx="12192000" cy="6885179"/>
+            </a:xfrm>
+            <a:prstGeom prst="rect">
+              <a:avLst/>
+            </a:prstGeom>
+            <a:noFill/>
+            <a:extLst>
+              <a:ext uri="{909E8E84-426E-40DD-AFC4-6F175D3DCCD1}">
+                <a14:hiddenFill xmlns:a14="http://schemas.microsoft.com/office/drawing/2010/main">
+                  <a:solidFill>
+                    <a:srgbClr val="FFFFFF"/>
+                  </a:solidFill>
+                </a14:hiddenFill>
+              </a:ext>
+            </a:extLst>
+          </p:spPr>
+        </p:pic>
+      </p:grpSp>
+      <p:grpSp>
+        <p:nvGrpSpPr>
           <p:cNvPr id="7" name="그룹 6">
             <a:extLst>
               <a:ext uri="{FF2B5EF4-FFF2-40B4-BE49-F238E27FC236}">
@@ -13233,7 +13876,7 @@
             <p:nvPr/>
           </p:nvPicPr>
           <p:blipFill>
-            <a:blip r:embed="rId2">
+            <a:blip r:embed="rId3">
               <a:extLst>
                 <a:ext uri="{28A0092B-C50C-407E-A947-70E740481C1C}">
                   <a14:useLocalDpi xmlns:a14="http://schemas.microsoft.com/office/drawing/2010/main" val="0"/>
@@ -13627,7 +14270,7 @@
             <p:nvPr/>
           </p:nvPicPr>
           <p:blipFill>
-            <a:blip r:embed="rId3">
+            <a:blip r:embed="rId4">
               <a:duotone>
                 <a:prstClr val="black"/>
                 <a:schemeClr val="tx1">
@@ -13638,7 +14281,7 @@
               <a:extLst>
                 <a:ext uri="{BEBA8EAE-BF5A-486C-A8C5-ECC9F3942E4B}">
                   <a14:imgProps xmlns:a14="http://schemas.microsoft.com/office/drawing/2010/main">
-                    <a14:imgLayer r:embed="rId4">
+                    <a14:imgLayer r:embed="rId5">
                       <a14:imgEffect>
                         <a14:brightnessContrast bright="-40000" contrast="-40000"/>
                       </a14:imgEffect>
@@ -13777,11 +14420,11 @@
             <p:nvPr/>
           </p:nvPicPr>
           <p:blipFill>
-            <a:blip r:embed="rId5">
+            <a:blip r:embed="rId6">
               <a:extLst>
                 <a:ext uri="{BEBA8EAE-BF5A-486C-A8C5-ECC9F3942E4B}">
                   <a14:imgProps xmlns:a14="http://schemas.microsoft.com/office/drawing/2010/main">
-                    <a14:imgLayer r:embed="rId6">
+                    <a14:imgLayer r:embed="rId7">
                       <a14:imgEffect>
                         <a14:backgroundRemoval t="5957" b="94224" l="6667" r="93333">
                           <a14:foregroundMark x1="43733" y1="45487" x2="47067" y2="51625"/>
@@ -14043,7 +14686,7 @@
               <a:lstStyle/>
               <a:p>
                 <a:pPr algn="ctr"/>
-                <a:endParaRPr lang="ko-KR" altLang="en-US"/>
+                <a:endParaRPr lang="ko-KR" altLang="en-US" dirty="0"/>
               </a:p>
             </p:txBody>
           </p:sp>
@@ -14142,6 +14785,399 @@
           </a:p>
         </p:txBody>
       </p:sp>
+      <p:grpSp>
+        <p:nvGrpSpPr>
+          <p:cNvPr id="25" name="그룹 24">
+            <a:extLst>
+              <a:ext uri="{FF2B5EF4-FFF2-40B4-BE49-F238E27FC236}">
+                <a16:creationId xmlns:a16="http://schemas.microsoft.com/office/drawing/2014/main" id="{EACC3842-A0A4-F8F5-899C-E1941A620D8A}"/>
+              </a:ext>
+            </a:extLst>
+          </p:cNvPr>
+          <p:cNvGrpSpPr/>
+          <p:nvPr/>
+        </p:nvGrpSpPr>
+        <p:grpSpPr>
+          <a:xfrm>
+            <a:off x="1088637" y="1336443"/>
+            <a:ext cx="1808480" cy="3518313"/>
+            <a:chOff x="14689017" y="8089291"/>
+            <a:chExt cx="1808480" cy="3518313"/>
+          </a:xfrm>
+        </p:grpSpPr>
+        <p:sp>
+          <p:nvSpPr>
+            <p:cNvPr id="20" name="타원 7">
+              <a:extLst>
+                <a:ext uri="{FF2B5EF4-FFF2-40B4-BE49-F238E27FC236}">
+                  <a16:creationId xmlns:a16="http://schemas.microsoft.com/office/drawing/2014/main" id="{7A3EFEC1-B6F8-92A2-27D3-596FA5B8F7E3}"/>
+                </a:ext>
+              </a:extLst>
+            </p:cNvPr>
+            <p:cNvSpPr/>
+            <p:nvPr/>
+          </p:nvSpPr>
+          <p:spPr>
+            <a:xfrm>
+              <a:off x="14754780" y="9353398"/>
+              <a:ext cx="1676954" cy="2254206"/>
+            </a:xfrm>
+            <a:custGeom>
+              <a:avLst/>
+              <a:gdLst>
+                <a:gd name="connsiteX0" fmla="*/ 0 w 930303"/>
+                <a:gd name="connsiteY0" fmla="*/ 1184082 h 2368163"/>
+                <a:gd name="connsiteX1" fmla="*/ 465152 w 930303"/>
+                <a:gd name="connsiteY1" fmla="*/ 0 h 2368163"/>
+                <a:gd name="connsiteX2" fmla="*/ 930304 w 930303"/>
+                <a:gd name="connsiteY2" fmla="*/ 1184082 h 2368163"/>
+                <a:gd name="connsiteX3" fmla="*/ 465152 w 930303"/>
+                <a:gd name="connsiteY3" fmla="*/ 2368164 h 2368163"/>
+                <a:gd name="connsiteX4" fmla="*/ 0 w 930303"/>
+                <a:gd name="connsiteY4" fmla="*/ 1184082 h 2368163"/>
+                <a:gd name="connsiteX0" fmla="*/ 269 w 930573"/>
+                <a:gd name="connsiteY0" fmla="*/ 1184082 h 1645250"/>
+                <a:gd name="connsiteX1" fmla="*/ 465421 w 930573"/>
+                <a:gd name="connsiteY1" fmla="*/ 0 h 1645250"/>
+                <a:gd name="connsiteX2" fmla="*/ 930573 w 930573"/>
+                <a:gd name="connsiteY2" fmla="*/ 1184082 h 1645250"/>
+                <a:gd name="connsiteX3" fmla="*/ 417713 w 930573"/>
+                <a:gd name="connsiteY3" fmla="*/ 1604839 h 1645250"/>
+                <a:gd name="connsiteX4" fmla="*/ 269 w 930573"/>
+                <a:gd name="connsiteY4" fmla="*/ 1184082 h 1645250"/>
+                <a:gd name="connsiteX0" fmla="*/ 111 w 930415"/>
+                <a:gd name="connsiteY0" fmla="*/ 1184082 h 1648638"/>
+                <a:gd name="connsiteX1" fmla="*/ 465263 w 930415"/>
+                <a:gd name="connsiteY1" fmla="*/ 0 h 1648638"/>
+                <a:gd name="connsiteX2" fmla="*/ 930415 w 930415"/>
+                <a:gd name="connsiteY2" fmla="*/ 1184082 h 1648638"/>
+                <a:gd name="connsiteX3" fmla="*/ 417555 w 930415"/>
+                <a:gd name="connsiteY3" fmla="*/ 1604839 h 1648638"/>
+                <a:gd name="connsiteX4" fmla="*/ 111 w 930415"/>
+                <a:gd name="connsiteY4" fmla="*/ 1184082 h 1648638"/>
+                <a:gd name="connsiteX0" fmla="*/ 97 w 930401"/>
+                <a:gd name="connsiteY0" fmla="*/ 1184082 h 1476328"/>
+                <a:gd name="connsiteX1" fmla="*/ 465249 w 930401"/>
+                <a:gd name="connsiteY1" fmla="*/ 0 h 1476328"/>
+                <a:gd name="connsiteX2" fmla="*/ 930401 w 930401"/>
+                <a:gd name="connsiteY2" fmla="*/ 1184082 h 1476328"/>
+                <a:gd name="connsiteX3" fmla="*/ 497054 w 930401"/>
+                <a:gd name="connsiteY3" fmla="*/ 1183420 h 1476328"/>
+                <a:gd name="connsiteX4" fmla="*/ 97 w 930401"/>
+                <a:gd name="connsiteY4" fmla="*/ 1184082 h 1476328"/>
+                <a:gd name="connsiteX0" fmla="*/ 11 w 930315"/>
+                <a:gd name="connsiteY0" fmla="*/ 1184082 h 1476328"/>
+                <a:gd name="connsiteX1" fmla="*/ 465163 w 930315"/>
+                <a:gd name="connsiteY1" fmla="*/ 0 h 1476328"/>
+                <a:gd name="connsiteX2" fmla="*/ 930315 w 930315"/>
+                <a:gd name="connsiteY2" fmla="*/ 1184082 h 1476328"/>
+                <a:gd name="connsiteX3" fmla="*/ 496968 w 930315"/>
+                <a:gd name="connsiteY3" fmla="*/ 1183420 h 1476328"/>
+                <a:gd name="connsiteX4" fmla="*/ 11 w 930315"/>
+                <a:gd name="connsiteY4" fmla="*/ 1184082 h 1476328"/>
+                <a:gd name="connsiteX0" fmla="*/ 11 w 930315"/>
+                <a:gd name="connsiteY0" fmla="*/ 1184082 h 1193848"/>
+                <a:gd name="connsiteX1" fmla="*/ 465163 w 930315"/>
+                <a:gd name="connsiteY1" fmla="*/ 0 h 1193848"/>
+                <a:gd name="connsiteX2" fmla="*/ 930315 w 930315"/>
+                <a:gd name="connsiteY2" fmla="*/ 1184082 h 1193848"/>
+                <a:gd name="connsiteX3" fmla="*/ 496968 w 930315"/>
+                <a:gd name="connsiteY3" fmla="*/ 1183420 h 1193848"/>
+                <a:gd name="connsiteX4" fmla="*/ 11 w 930315"/>
+                <a:gd name="connsiteY4" fmla="*/ 1184082 h 1193848"/>
+                <a:gd name="connsiteX0" fmla="*/ 11 w 930315"/>
+                <a:gd name="connsiteY0" fmla="*/ 1184082 h 1193848"/>
+                <a:gd name="connsiteX1" fmla="*/ 465163 w 930315"/>
+                <a:gd name="connsiteY1" fmla="*/ 0 h 1193848"/>
+                <a:gd name="connsiteX2" fmla="*/ 930315 w 930315"/>
+                <a:gd name="connsiteY2" fmla="*/ 1184082 h 1193848"/>
+                <a:gd name="connsiteX3" fmla="*/ 496968 w 930315"/>
+                <a:gd name="connsiteY3" fmla="*/ 1183420 h 1193848"/>
+                <a:gd name="connsiteX4" fmla="*/ 11 w 930315"/>
+                <a:gd name="connsiteY4" fmla="*/ 1184082 h 1193848"/>
+                <a:gd name="connsiteX0" fmla="*/ 54 w 930358"/>
+                <a:gd name="connsiteY0" fmla="*/ 1184082 h 1275171"/>
+                <a:gd name="connsiteX1" fmla="*/ 465206 w 930358"/>
+                <a:gd name="connsiteY1" fmla="*/ 0 h 1275171"/>
+                <a:gd name="connsiteX2" fmla="*/ 930358 w 930358"/>
+                <a:gd name="connsiteY2" fmla="*/ 1184082 h 1275171"/>
+                <a:gd name="connsiteX3" fmla="*/ 489060 w 930358"/>
+                <a:gd name="connsiteY3" fmla="*/ 1199322 h 1275171"/>
+                <a:gd name="connsiteX4" fmla="*/ 54 w 930358"/>
+                <a:gd name="connsiteY4" fmla="*/ 1184082 h 1275171"/>
+                <a:gd name="connsiteX0" fmla="*/ 54 w 930358"/>
+                <a:gd name="connsiteY0" fmla="*/ 1184082 h 1202909"/>
+                <a:gd name="connsiteX1" fmla="*/ 465206 w 930358"/>
+                <a:gd name="connsiteY1" fmla="*/ 0 h 1202909"/>
+                <a:gd name="connsiteX2" fmla="*/ 930358 w 930358"/>
+                <a:gd name="connsiteY2" fmla="*/ 1184082 h 1202909"/>
+                <a:gd name="connsiteX3" fmla="*/ 489060 w 930358"/>
+                <a:gd name="connsiteY3" fmla="*/ 1199322 h 1202909"/>
+                <a:gd name="connsiteX4" fmla="*/ 54 w 930358"/>
+                <a:gd name="connsiteY4" fmla="*/ 1184082 h 1202909"/>
+              </a:gdLst>
+              <a:ahLst/>
+              <a:cxnLst>
+                <a:cxn ang="0">
+                  <a:pos x="connsiteX0" y="connsiteY0"/>
+                </a:cxn>
+                <a:cxn ang="0">
+                  <a:pos x="connsiteX1" y="connsiteY1"/>
+                </a:cxn>
+                <a:cxn ang="0">
+                  <a:pos x="connsiteX2" y="connsiteY2"/>
+                </a:cxn>
+                <a:cxn ang="0">
+                  <a:pos x="connsiteX3" y="connsiteY3"/>
+                </a:cxn>
+                <a:cxn ang="0">
+                  <a:pos x="connsiteX4" y="connsiteY4"/>
+                </a:cxn>
+              </a:cxnLst>
+              <a:rect l="l" t="t" r="r" b="b"/>
+              <a:pathLst>
+                <a:path w="930358" h="1202909">
+                  <a:moveTo>
+                    <a:pt x="54" y="1184082"/>
+                  </a:moveTo>
+                  <a:cubicBezTo>
+                    <a:pt x="-3922" y="1175026"/>
+                    <a:pt x="208310" y="0"/>
+                    <a:pt x="465206" y="0"/>
+                  </a:cubicBezTo>
+                  <a:cubicBezTo>
+                    <a:pt x="722102" y="0"/>
+                    <a:pt x="914455" y="1198042"/>
+                    <a:pt x="930358" y="1184082"/>
+                  </a:cubicBezTo>
+                  <a:cubicBezTo>
+                    <a:pt x="914455" y="1201928"/>
+                    <a:pt x="491515" y="1207273"/>
+                    <a:pt x="489060" y="1199322"/>
+                  </a:cubicBezTo>
+                  <a:cubicBezTo>
+                    <a:pt x="486605" y="1191371"/>
+                    <a:pt x="4030" y="1193138"/>
+                    <a:pt x="54" y="1184082"/>
+                  </a:cubicBezTo>
+                  <a:close/>
+                </a:path>
+              </a:pathLst>
+            </a:custGeom>
+            <a:solidFill>
+              <a:srgbClr val="00B0F0"/>
+            </a:solidFill>
+            <a:ln w="57150">
+              <a:solidFill>
+                <a:schemeClr val="tx1"/>
+              </a:solidFill>
+            </a:ln>
+          </p:spPr>
+          <p:style>
+            <a:lnRef idx="2">
+              <a:schemeClr val="accent1">
+                <a:shade val="50000"/>
+              </a:schemeClr>
+            </a:lnRef>
+            <a:fillRef idx="1">
+              <a:schemeClr val="accent1"/>
+            </a:fillRef>
+            <a:effectRef idx="0">
+              <a:schemeClr val="accent1"/>
+            </a:effectRef>
+            <a:fontRef idx="minor">
+              <a:schemeClr val="lt1"/>
+            </a:fontRef>
+          </p:style>
+          <p:txBody>
+            <a:bodyPr rtlCol="0" anchor="ctr"/>
+            <a:lstStyle/>
+            <a:p>
+              <a:pPr algn="ctr"/>
+              <a:endParaRPr lang="ko-KR" altLang="en-US" dirty="0"/>
+            </a:p>
+          </p:txBody>
+        </p:sp>
+        <p:sp>
+          <p:nvSpPr>
+            <p:cNvPr id="21" name="타원 20">
+              <a:extLst>
+                <a:ext uri="{FF2B5EF4-FFF2-40B4-BE49-F238E27FC236}">
+                  <a16:creationId xmlns:a16="http://schemas.microsoft.com/office/drawing/2014/main" id="{69488E8C-B34C-1BA2-FBF2-BAFF8DAEDED2}"/>
+                </a:ext>
+              </a:extLst>
+            </p:cNvPr>
+            <p:cNvSpPr/>
+            <p:nvPr/>
+          </p:nvSpPr>
+          <p:spPr>
+            <a:xfrm>
+              <a:off x="14689017" y="8089291"/>
+              <a:ext cx="1808480" cy="1808480"/>
+            </a:xfrm>
+            <a:prstGeom prst="ellipse">
+              <a:avLst/>
+            </a:prstGeom>
+            <a:solidFill>
+              <a:srgbClr val="00B0F0"/>
+            </a:solidFill>
+            <a:ln w="57150">
+              <a:solidFill>
+                <a:schemeClr val="tx1"/>
+              </a:solidFill>
+            </a:ln>
+          </p:spPr>
+          <p:style>
+            <a:lnRef idx="2">
+              <a:schemeClr val="accent1">
+                <a:shade val="50000"/>
+              </a:schemeClr>
+            </a:lnRef>
+            <a:fillRef idx="1">
+              <a:schemeClr val="accent1"/>
+            </a:fillRef>
+            <a:effectRef idx="0">
+              <a:schemeClr val="accent1"/>
+            </a:effectRef>
+            <a:fontRef idx="minor">
+              <a:schemeClr val="lt1"/>
+            </a:fontRef>
+          </p:style>
+          <p:txBody>
+            <a:bodyPr rtlCol="0" anchor="ctr"/>
+            <a:lstStyle/>
+            <a:p>
+              <a:pPr algn="ctr"/>
+              <a:endParaRPr lang="ko-KR" altLang="en-US"/>
+            </a:p>
+          </p:txBody>
+        </p:sp>
+        <p:grpSp>
+          <p:nvGrpSpPr>
+            <p:cNvPr id="24" name="그룹 23">
+              <a:extLst>
+                <a:ext uri="{FF2B5EF4-FFF2-40B4-BE49-F238E27FC236}">
+                  <a16:creationId xmlns:a16="http://schemas.microsoft.com/office/drawing/2014/main" id="{42664107-9825-CF51-2370-F0FB07D08215}"/>
+                </a:ext>
+              </a:extLst>
+            </p:cNvPr>
+            <p:cNvGrpSpPr/>
+            <p:nvPr/>
+          </p:nvGrpSpPr>
+          <p:grpSpPr>
+            <a:xfrm>
+              <a:off x="15223116" y="8993531"/>
+              <a:ext cx="740282" cy="428253"/>
+              <a:chOff x="15063140" y="8993531"/>
+              <a:chExt cx="740282" cy="428253"/>
+            </a:xfrm>
+          </p:grpSpPr>
+          <p:sp>
+            <p:nvSpPr>
+              <p:cNvPr id="22" name="타원 21">
+                <a:extLst>
+                  <a:ext uri="{FF2B5EF4-FFF2-40B4-BE49-F238E27FC236}">
+                    <a16:creationId xmlns:a16="http://schemas.microsoft.com/office/drawing/2014/main" id="{CA253041-23F1-5BA9-7A97-6CBC3C646043}"/>
+                  </a:ext>
+                </a:extLst>
+              </p:cNvPr>
+              <p:cNvSpPr/>
+              <p:nvPr/>
+            </p:nvSpPr>
+            <p:spPr>
+              <a:xfrm>
+                <a:off x="15063140" y="8993531"/>
+                <a:ext cx="407016" cy="411480"/>
+              </a:xfrm>
+              <a:prstGeom prst="ellipse">
+                <a:avLst/>
+              </a:prstGeom>
+              <a:solidFill>
+                <a:schemeClr val="bg1"/>
+              </a:solidFill>
+              <a:ln>
+                <a:noFill/>
+              </a:ln>
+            </p:spPr>
+            <p:style>
+              <a:lnRef idx="2">
+                <a:schemeClr val="accent1">
+                  <a:shade val="50000"/>
+                </a:schemeClr>
+              </a:lnRef>
+              <a:fillRef idx="1">
+                <a:schemeClr val="accent1"/>
+              </a:fillRef>
+              <a:effectRef idx="0">
+                <a:schemeClr val="accent1"/>
+              </a:effectRef>
+              <a:fontRef idx="minor">
+                <a:schemeClr val="lt1"/>
+              </a:fontRef>
+            </p:style>
+            <p:txBody>
+              <a:bodyPr rtlCol="0" anchor="ctr"/>
+              <a:lstStyle/>
+              <a:p>
+                <a:pPr algn="ctr"/>
+                <a:endParaRPr lang="ko-KR" altLang="en-US"/>
+              </a:p>
+            </p:txBody>
+          </p:sp>
+          <p:sp>
+            <p:nvSpPr>
+              <p:cNvPr id="23" name="타원 22">
+                <a:extLst>
+                  <a:ext uri="{FF2B5EF4-FFF2-40B4-BE49-F238E27FC236}">
+                    <a16:creationId xmlns:a16="http://schemas.microsoft.com/office/drawing/2014/main" id="{921C9705-B9E1-5EBA-F337-7A3D462CC990}"/>
+                  </a:ext>
+                </a:extLst>
+              </p:cNvPr>
+              <p:cNvSpPr/>
+              <p:nvPr/>
+            </p:nvSpPr>
+            <p:spPr>
+              <a:xfrm>
+                <a:off x="15396406" y="9010304"/>
+                <a:ext cx="407016" cy="411480"/>
+              </a:xfrm>
+              <a:prstGeom prst="ellipse">
+                <a:avLst/>
+              </a:prstGeom>
+              <a:solidFill>
+                <a:schemeClr val="bg1"/>
+              </a:solidFill>
+              <a:ln>
+                <a:noFill/>
+              </a:ln>
+            </p:spPr>
+            <p:style>
+              <a:lnRef idx="2">
+                <a:schemeClr val="accent1">
+                  <a:shade val="50000"/>
+                </a:schemeClr>
+              </a:lnRef>
+              <a:fillRef idx="1">
+                <a:schemeClr val="accent1"/>
+              </a:fillRef>
+              <a:effectRef idx="0">
+                <a:schemeClr val="accent1"/>
+              </a:effectRef>
+              <a:fontRef idx="minor">
+                <a:schemeClr val="lt1"/>
+              </a:fontRef>
+            </p:style>
+            <p:txBody>
+              <a:bodyPr rtlCol="0" anchor="ctr"/>
+              <a:lstStyle/>
+              <a:p>
+                <a:pPr algn="ctr"/>
+                <a:endParaRPr lang="ko-KR" altLang="en-US"/>
+              </a:p>
+            </p:txBody>
+          </p:sp>
+        </p:grpSp>
+      </p:grpSp>
       <p:sp>
         <p:nvSpPr>
           <p:cNvPr id="14" name="TextBox 13">
@@ -14299,6 +15335,138 @@
                                         </p:tgtEl>
                                       </p:cBhvr>
                                     </p:animEffect>
+                                  </p:childTnLst>
+                                </p:cTn>
+                              </p:par>
+                            </p:childTnLst>
+                          </p:cTn>
+                        </p:par>
+                        <p:par>
+                          <p:cTn id="11" fill="hold">
+                            <p:stCondLst>
+                              <p:cond delay="3000"/>
+                            </p:stCondLst>
+                            <p:childTnLst>
+                              <p:par>
+                                <p:cTn id="12" presetID="1" presetClass="entr" presetSubtype="0" fill="hold" nodeType="afterEffect">
+                                  <p:stCondLst>
+                                    <p:cond delay="0"/>
+                                  </p:stCondLst>
+                                  <p:childTnLst>
+                                    <p:set>
+                                      <p:cBhvr>
+                                        <p:cTn id="13" dur="1" fill="hold">
+                                          <p:stCondLst>
+                                            <p:cond delay="0"/>
+                                          </p:stCondLst>
+                                        </p:cTn>
+                                        <p:tgtEl>
+                                          <p:spTgt spid="18"/>
+                                        </p:tgtEl>
+                                        <p:attrNameLst>
+                                          <p:attrName>style.visibility</p:attrName>
+                                        </p:attrNameLst>
+                                      </p:cBhvr>
+                                      <p:to>
+                                        <p:strVal val="visible"/>
+                                      </p:to>
+                                    </p:set>
+                                  </p:childTnLst>
+                                </p:cTn>
+                              </p:par>
+                              <p:par>
+                                <p:cTn id="14" presetID="42" presetClass="path" presetSubtype="0" accel="50000" decel="50000" fill="hold" nodeType="withEffect">
+                                  <p:stCondLst>
+                                    <p:cond delay="0"/>
+                                  </p:stCondLst>
+                                  <p:childTnLst>
+                                    <p:animMotion origin="layout" path="M 0 -3.7037E-7 L 0 -3.01667 " pathEditMode="relative" rAng="0" ptsTypes="AA">
+                                      <p:cBhvr>
+                                        <p:cTn id="15" dur="2000" fill="hold"/>
+                                        <p:tgtEl>
+                                          <p:spTgt spid="18"/>
+                                        </p:tgtEl>
+                                        <p:attrNameLst>
+                                          <p:attrName>ppt_x</p:attrName>
+                                          <p:attrName>ppt_y</p:attrName>
+                                        </p:attrNameLst>
+                                      </p:cBhvr>
+                                      <p:rCtr x="0" y="-150833"/>
+                                    </p:animMotion>
+                                  </p:childTnLst>
+                                </p:cTn>
+                              </p:par>
+                              <p:par>
+                                <p:cTn id="16" presetID="1" presetClass="exit" presetSubtype="0" fill="hold" nodeType="withEffect">
+                                  <p:stCondLst>
+                                    <p:cond delay="0"/>
+                                  </p:stCondLst>
+                                  <p:childTnLst>
+                                    <p:set>
+                                      <p:cBhvr>
+                                        <p:cTn id="17" dur="1" fill="hold">
+                                          <p:stCondLst>
+                                            <p:cond delay="0"/>
+                                          </p:stCondLst>
+                                        </p:cTn>
+                                        <p:tgtEl>
+                                          <p:spTgt spid="7"/>
+                                        </p:tgtEl>
+                                        <p:attrNameLst>
+                                          <p:attrName>style.visibility</p:attrName>
+                                        </p:attrNameLst>
+                                      </p:cBhvr>
+                                      <p:to>
+                                        <p:strVal val="hidden"/>
+                                      </p:to>
+                                    </p:set>
+                                  </p:childTnLst>
+                                </p:cTn>
+                              </p:par>
+                              <p:par>
+                                <p:cTn id="18" presetID="1" presetClass="entr" presetSubtype="0" fill="hold" nodeType="withEffect">
+                                  <p:stCondLst>
+                                    <p:cond delay="0"/>
+                                  </p:stCondLst>
+                                  <p:childTnLst>
+                                    <p:set>
+                                      <p:cBhvr>
+                                        <p:cTn id="19" dur="1" fill="hold">
+                                          <p:stCondLst>
+                                            <p:cond delay="0"/>
+                                          </p:stCondLst>
+                                        </p:cTn>
+                                        <p:tgtEl>
+                                          <p:spTgt spid="25"/>
+                                        </p:tgtEl>
+                                        <p:attrNameLst>
+                                          <p:attrName>style.visibility</p:attrName>
+                                        </p:attrNameLst>
+                                      </p:cBhvr>
+                                      <p:to>
+                                        <p:strVal val="visible"/>
+                                      </p:to>
+                                    </p:set>
+                                  </p:childTnLst>
+                                </p:cTn>
+                              </p:par>
+                              <p:par>
+                                <p:cTn id="20" presetID="8" presetClass="emph" presetSubtype="0" fill="hold" nodeType="withEffect">
+                                  <p:stCondLst>
+                                    <p:cond delay="0"/>
+                                  </p:stCondLst>
+                                  <p:childTnLst>
+                                    <p:animRot by="86400000">
+                                      <p:cBhvr>
+                                        <p:cTn id="21" dur="500" fill="hold"/>
+                                        <p:tgtEl>
+                                          <p:spTgt spid="25"/>
+                                        </p:tgtEl>
+                                        <p:attrNameLst>
+                                          <p:attrName>r</p:attrName>
+                                        </p:attrNameLst>
+                                      </p:cBhvr>
+                                    </p:animRot>
                                   </p:childTnLst>
                                 </p:cTn>
                               </p:par>
@@ -14488,6 +15656,427 @@
 </file>
 
 <file path=ppt/slides/slide20.xml><?xml version="1.0" encoding="utf-8"?>
+<p:sld xmlns:a="http://schemas.openxmlformats.org/drawingml/2006/main" xmlns:r="http://schemas.openxmlformats.org/officeDocument/2006/relationships" xmlns:p="http://schemas.openxmlformats.org/presentationml/2006/main">
+  <p:cSld>
+    <p:spTree>
+      <p:nvGrpSpPr>
+        <p:cNvPr id="1" name=""/>
+        <p:cNvGrpSpPr/>
+        <p:nvPr/>
+      </p:nvGrpSpPr>
+      <p:grpSpPr>
+        <a:xfrm>
+          <a:off x="0" y="0"/>
+          <a:ext cx="0" cy="0"/>
+          <a:chOff x="0" y="0"/>
+          <a:chExt cx="0" cy="0"/>
+        </a:xfrm>
+      </p:grpSpPr>
+      <p:sp>
+        <p:nvSpPr>
+          <p:cNvPr id="6" name="직사각형 5">
+            <a:extLst>
+              <a:ext uri="{FF2B5EF4-FFF2-40B4-BE49-F238E27FC236}">
+                <a16:creationId xmlns:a16="http://schemas.microsoft.com/office/drawing/2014/main" id="{53D301E4-1875-A8EF-4084-E05F39E2A7F1}"/>
+              </a:ext>
+            </a:extLst>
+          </p:cNvPr>
+          <p:cNvSpPr/>
+          <p:nvPr/>
+        </p:nvSpPr>
+        <p:spPr>
+          <a:xfrm>
+            <a:off x="0" y="-27179"/>
+            <a:ext cx="12192000" cy="6885179"/>
+          </a:xfrm>
+          <a:prstGeom prst="rect">
+            <a:avLst/>
+          </a:prstGeom>
+          <a:gradFill flip="none" rotWithShape="1">
+            <a:gsLst>
+              <a:gs pos="0">
+                <a:srgbClr val="20327E"/>
+              </a:gs>
+              <a:gs pos="100000">
+                <a:srgbClr val="0099FF"/>
+              </a:gs>
+            </a:gsLst>
+            <a:lin ang="5400000" scaled="1"/>
+            <a:tileRect/>
+          </a:gradFill>
+          <a:ln>
+            <a:noFill/>
+          </a:ln>
+        </p:spPr>
+        <p:style>
+          <a:lnRef idx="2">
+            <a:schemeClr val="accent1">
+              <a:shade val="50000"/>
+            </a:schemeClr>
+          </a:lnRef>
+          <a:fillRef idx="1">
+            <a:schemeClr val="accent1"/>
+          </a:fillRef>
+          <a:effectRef idx="0">
+            <a:schemeClr val="accent1"/>
+          </a:effectRef>
+          <a:fontRef idx="minor">
+            <a:schemeClr val="lt1"/>
+          </a:fontRef>
+        </p:style>
+        <p:txBody>
+          <a:bodyPr rtlCol="0" anchor="ctr"/>
+          <a:lstStyle/>
+          <a:p>
+            <a:pPr algn="ctr"/>
+            <a:endParaRPr lang="ko-KR" altLang="en-US"/>
+          </a:p>
+        </p:txBody>
+      </p:sp>
+      <p:pic>
+        <p:nvPicPr>
+          <p:cNvPr id="9" name="Picture 2" descr="무지게 배경에 대한 이미지 결과">
+            <a:extLst>
+              <a:ext uri="{FF2B5EF4-FFF2-40B4-BE49-F238E27FC236}">
+                <a16:creationId xmlns:a16="http://schemas.microsoft.com/office/drawing/2014/main" id="{F9CAE371-CD13-5D49-64E9-D4E3913A5E86}"/>
+              </a:ext>
+            </a:extLst>
+          </p:cNvPr>
+          <p:cNvPicPr>
+            <a:picLocks noChangeAspect="1" noChangeArrowheads="1"/>
+          </p:cNvPicPr>
+          <p:nvPr/>
+        </p:nvPicPr>
+        <p:blipFill>
+          <a:blip r:embed="rId2">
+            <a:extLst>
+              <a:ext uri="{28A0092B-C50C-407E-A947-70E740481C1C}">
+                <a14:useLocalDpi xmlns:a14="http://schemas.microsoft.com/office/drawing/2010/main" val="0"/>
+              </a:ext>
+            </a:extLst>
+          </a:blip>
+          <a:srcRect/>
+          <a:stretch>
+            <a:fillRect/>
+          </a:stretch>
+        </p:blipFill>
+        <p:spPr bwMode="auto">
+          <a:xfrm>
+            <a:off x="0" y="-59469"/>
+            <a:ext cx="12192000" cy="6917469"/>
+          </a:xfrm>
+          <a:prstGeom prst="rect">
+            <a:avLst/>
+          </a:prstGeom>
+          <a:noFill/>
+          <a:extLst>
+            <a:ext uri="{909E8E84-426E-40DD-AFC4-6F175D3DCCD1}">
+              <a14:hiddenFill xmlns:a14="http://schemas.microsoft.com/office/drawing/2010/main">
+                <a:solidFill>
+                  <a:srgbClr val="FFFFFF"/>
+                </a:solidFill>
+              </a14:hiddenFill>
+            </a:ext>
+          </a:extLst>
+        </p:spPr>
+      </p:pic>
+      <p:pic>
+        <p:nvPicPr>
+          <p:cNvPr id="10" name="Picture 2">
+            <a:extLst>
+              <a:ext uri="{FF2B5EF4-FFF2-40B4-BE49-F238E27FC236}">
+                <a16:creationId xmlns:a16="http://schemas.microsoft.com/office/drawing/2014/main" id="{59B729C5-5605-CFC6-0A35-B61B94232D0F}"/>
+              </a:ext>
+            </a:extLst>
+          </p:cNvPr>
+          <p:cNvPicPr>
+            <a:picLocks noChangeAspect="1" noChangeArrowheads="1"/>
+          </p:cNvPicPr>
+          <p:nvPr/>
+        </p:nvPicPr>
+        <p:blipFill>
+          <a:blip r:embed="rId3">
+            <a:extLst>
+              <a:ext uri="{28A0092B-C50C-407E-A947-70E740481C1C}">
+                <a14:useLocalDpi xmlns:a14="http://schemas.microsoft.com/office/drawing/2010/main" val="0"/>
+              </a:ext>
+            </a:extLst>
+          </a:blip>
+          <a:srcRect/>
+          <a:stretch>
+            <a:fillRect/>
+          </a:stretch>
+        </p:blipFill>
+        <p:spPr bwMode="auto">
+          <a:xfrm rot="726609">
+            <a:off x="-2341880" y="6912358"/>
+            <a:ext cx="2341880" cy="2341880"/>
+          </a:xfrm>
+          <a:prstGeom prst="rect">
+            <a:avLst/>
+          </a:prstGeom>
+          <a:noFill/>
+          <a:extLst>
+            <a:ext uri="{909E8E84-426E-40DD-AFC4-6F175D3DCCD1}">
+              <a14:hiddenFill xmlns:a14="http://schemas.microsoft.com/office/drawing/2010/main">
+                <a:solidFill>
+                  <a:srgbClr val="FFFFFF"/>
+                </a:solidFill>
+              </a14:hiddenFill>
+            </a:ext>
+          </a:extLst>
+        </p:spPr>
+      </p:pic>
+    </p:spTree>
+    <p:extLst>
+      <p:ext uri="{BB962C8B-B14F-4D97-AF65-F5344CB8AC3E}">
+        <p14:creationId xmlns:p14="http://schemas.microsoft.com/office/powerpoint/2010/main" val="2775612107"/>
+      </p:ext>
+    </p:extLst>
+  </p:cSld>
+  <p:clrMapOvr>
+    <a:masterClrMapping/>
+  </p:clrMapOvr>
+  <mc:AlternateContent xmlns:mc="http://schemas.openxmlformats.org/markup-compatibility/2006" xmlns:p14="http://schemas.microsoft.com/office/powerpoint/2010/main">
+    <mc:Choice Requires="p14">
+      <p:transition spd="slow" p14:dur="2000" advClick="0" advTm="0"/>
+    </mc:Choice>
+    <mc:Fallback xmlns="">
+      <p:transition spd="slow" advClick="0" advTm="0"/>
+    </mc:Fallback>
+  </mc:AlternateContent>
+  <p:timing>
+    <p:tnLst>
+      <p:par>
+        <p:cTn id="1" dur="indefinite" restart="never" nodeType="tmRoot">
+          <p:childTnLst>
+            <p:seq concurrent="1" nextAc="seek">
+              <p:cTn id="2" dur="indefinite" nodeType="mainSeq">
+                <p:childTnLst>
+                  <p:par>
+                    <p:cTn id="3" fill="hold">
+                      <p:stCondLst>
+                        <p:cond delay="indefinite"/>
+                        <p:cond evt="onBegin" delay="0">
+                          <p:tn val="2"/>
+                        </p:cond>
+                      </p:stCondLst>
+                      <p:childTnLst>
+                        <p:par>
+                          <p:cTn id="4" fill="hold">
+                            <p:stCondLst>
+                              <p:cond delay="0"/>
+                            </p:stCondLst>
+                            <p:childTnLst>
+                              <p:par>
+                                <p:cTn id="5" presetID="6" presetClass="emph" presetSubtype="0" accel="50000" decel="50000" fill="hold" nodeType="withEffect">
+                                  <p:stCondLst>
+                                    <p:cond delay="0"/>
+                                  </p:stCondLst>
+                                  <p:childTnLst>
+                                    <p:animScale>
+                                      <p:cBhvr>
+                                        <p:cTn id="6" dur="500" fill="hold"/>
+                                        <p:tgtEl>
+                                          <p:spTgt spid="9"/>
+                                        </p:tgtEl>
+                                      </p:cBhvr>
+                                      <p:by x="0" y="0"/>
+                                    </p:animScale>
+                                  </p:childTnLst>
+                                </p:cTn>
+                              </p:par>
+                              <p:par>
+                                <p:cTn id="7" presetID="42" presetClass="path" presetSubtype="0" accel="50000" decel="50000" fill="hold" nodeType="withEffect">
+                                  <p:stCondLst>
+                                    <p:cond delay="0"/>
+                                  </p:stCondLst>
+                                  <p:childTnLst>
+                                    <p:animMotion origin="layout" path="M 0 -1.85185E-6 L 0.5 -0.50185 " pathEditMode="relative" rAng="0" ptsTypes="AA">
+                                      <p:cBhvr>
+                                        <p:cTn id="8" dur="500" fill="hold"/>
+                                        <p:tgtEl>
+                                          <p:spTgt spid="9"/>
+                                        </p:tgtEl>
+                                        <p:attrNameLst>
+                                          <p:attrName>ppt_x</p:attrName>
+                                          <p:attrName>ppt_y</p:attrName>
+                                        </p:attrNameLst>
+                                      </p:cBhvr>
+                                      <p:rCtr x="25000" y="-25093"/>
+                                    </p:animMotion>
+                                  </p:childTnLst>
+                                </p:cTn>
+                              </p:par>
+                            </p:childTnLst>
+                          </p:cTn>
+                        </p:par>
+                        <p:par>
+                          <p:cTn id="9" fill="hold">
+                            <p:stCondLst>
+                              <p:cond delay="500"/>
+                            </p:stCondLst>
+                            <p:childTnLst>
+                              <p:par>
+                                <p:cTn id="10" presetID="42" presetClass="path" presetSubtype="0" accel="50000" decel="50000" fill="hold" nodeType="afterEffect">
+                                  <p:stCondLst>
+                                    <p:cond delay="0"/>
+                                  </p:stCondLst>
+                                  <p:childTnLst>
+                                    <p:animMotion origin="layout" path="M 3.54167E-6 -2.22222E-6 L 0.59596 -0.67662 " pathEditMode="relative" rAng="0" ptsTypes="AA">
+                                      <p:cBhvr>
+                                        <p:cTn id="11" dur="1000" fill="hold"/>
+                                        <p:tgtEl>
+                                          <p:spTgt spid="10"/>
+                                        </p:tgtEl>
+                                        <p:attrNameLst>
+                                          <p:attrName>ppt_x</p:attrName>
+                                          <p:attrName>ppt_y</p:attrName>
+                                        </p:attrNameLst>
+                                      </p:cBhvr>
+                                      <p:rCtr x="29792" y="-33935"/>
+                                    </p:animMotion>
+                                  </p:childTnLst>
+                                </p:cTn>
+                              </p:par>
+                            </p:childTnLst>
+                          </p:cTn>
+                        </p:par>
+                        <p:par>
+                          <p:cTn id="12" fill="hold">
+                            <p:stCondLst>
+                              <p:cond delay="1500"/>
+                            </p:stCondLst>
+                            <p:childTnLst>
+                              <p:par>
+                                <p:cTn id="13" presetID="6" presetClass="emph" presetSubtype="0" accel="50000" decel="50000" fill="hold" nodeType="afterEffect">
+                                  <p:stCondLst>
+                                    <p:cond delay="0"/>
+                                  </p:stCondLst>
+                                  <p:childTnLst>
+                                    <p:animScale>
+                                      <p:cBhvr>
+                                        <p:cTn id="14" dur="500" fill="hold"/>
+                                        <p:tgtEl>
+                                          <p:spTgt spid="10"/>
+                                        </p:tgtEl>
+                                      </p:cBhvr>
+                                      <p:by x="1020000" y="1020000"/>
+                                    </p:animScale>
+                                  </p:childTnLst>
+                                </p:cTn>
+                              </p:par>
+                            </p:childTnLst>
+                          </p:cTn>
+                        </p:par>
+                        <p:par>
+                          <p:cTn id="15" fill="hold">
+                            <p:stCondLst>
+                              <p:cond delay="2000"/>
+                            </p:stCondLst>
+                            <p:childTnLst>
+                              <p:par>
+                                <p:cTn id="16" presetID="6" presetClass="emph" presetSubtype="0" accel="50000" decel="50000" fill="hold" nodeType="afterEffect">
+                                  <p:stCondLst>
+                                    <p:cond delay="0"/>
+                                  </p:stCondLst>
+                                  <p:childTnLst>
+                                    <p:animScale>
+                                      <p:cBhvr>
+                                        <p:cTn id="17" dur="500" fill="hold"/>
+                                        <p:tgtEl>
+                                          <p:spTgt spid="10"/>
+                                        </p:tgtEl>
+                                      </p:cBhvr>
+                                      <p:by x="10000" y="10000"/>
+                                    </p:animScale>
+                                  </p:childTnLst>
+                                </p:cTn>
+                              </p:par>
+                              <p:par>
+                                <p:cTn id="18" presetID="1" presetClass="exit" presetSubtype="0" fill="hold" grpId="0" nodeType="withEffect">
+                                  <p:stCondLst>
+                                    <p:cond delay="0"/>
+                                  </p:stCondLst>
+                                  <p:childTnLst>
+                                    <p:set>
+                                      <p:cBhvr>
+                                        <p:cTn id="19" dur="1" fill="hold">
+                                          <p:stCondLst>
+                                            <p:cond delay="0"/>
+                                          </p:stCondLst>
+                                        </p:cTn>
+                                        <p:tgtEl>
+                                          <p:spTgt spid="6"/>
+                                        </p:tgtEl>
+                                        <p:attrNameLst>
+                                          <p:attrName>style.visibility</p:attrName>
+                                        </p:attrNameLst>
+                                      </p:cBhvr>
+                                      <p:to>
+                                        <p:strVal val="hidden"/>
+                                      </p:to>
+                                    </p:set>
+                                  </p:childTnLst>
+                                </p:cTn>
+                              </p:par>
+                              <p:par>
+                                <p:cTn id="20" presetID="42" presetClass="path" presetSubtype="0" accel="50000" decel="50000" fill="hold" nodeType="withEffect">
+                                  <p:stCondLst>
+                                    <p:cond delay="0"/>
+                                  </p:stCondLst>
+                                  <p:childTnLst>
+                                    <p:animMotion origin="layout" path="M 0.59597 -0.67662 L 0.81132 -0.87754 " pathEditMode="relative" rAng="0" ptsTypes="AA">
+                                      <p:cBhvr>
+                                        <p:cTn id="21" dur="500" fill="hold"/>
+                                        <p:tgtEl>
+                                          <p:spTgt spid="10"/>
+                                        </p:tgtEl>
+                                        <p:attrNameLst>
+                                          <p:attrName>ppt_x</p:attrName>
+                                          <p:attrName>ppt_y</p:attrName>
+                                        </p:attrNameLst>
+                                      </p:cBhvr>
+                                      <p:rCtr x="11432" y="-9954"/>
+                                    </p:animMotion>
+                                  </p:childTnLst>
+                                </p:cTn>
+                              </p:par>
+                            </p:childTnLst>
+                          </p:cTn>
+                        </p:par>
+                      </p:childTnLst>
+                    </p:cTn>
+                  </p:par>
+                </p:childTnLst>
+              </p:cTn>
+              <p:prevCondLst>
+                <p:cond evt="onPrev" delay="0">
+                  <p:tgtEl>
+                    <p:sldTgt/>
+                  </p:tgtEl>
+                </p:cond>
+              </p:prevCondLst>
+              <p:nextCondLst>
+                <p:cond evt="onNext" delay="0">
+                  <p:tgtEl>
+                    <p:sldTgt/>
+                  </p:tgtEl>
+                </p:cond>
+              </p:nextCondLst>
+            </p:seq>
+          </p:childTnLst>
+        </p:cTn>
+      </p:par>
+    </p:tnLst>
+    <p:bldLst>
+      <p:bldP spid="6" grpId="0" animBg="1"/>
+    </p:bldLst>
+  </p:timing>
+</p:sld>
+</file>
+
+<file path=ppt/slides/slide21.xml><?xml version="1.0" encoding="utf-8"?>
 <p:sld xmlns:a="http://schemas.openxmlformats.org/drawingml/2006/main" xmlns:r="http://schemas.openxmlformats.org/officeDocument/2006/relationships" xmlns:p="http://schemas.openxmlformats.org/presentationml/2006/main">
   <p:cSld>
     <p:spTree>
@@ -14772,53 +16361,6 @@
           </p:txBody>
         </p:sp>
       </p:grpSp>
-      <p:pic>
-        <p:nvPicPr>
-          <p:cNvPr id="7" name="Picture 6">
-            <a:extLst>
-              <a:ext uri="{FF2B5EF4-FFF2-40B4-BE49-F238E27FC236}">
-                <a16:creationId xmlns:a16="http://schemas.microsoft.com/office/drawing/2014/main" id="{B94A4EA4-1C41-A54D-8214-9B8C9735966C}"/>
-              </a:ext>
-            </a:extLst>
-          </p:cNvPr>
-          <p:cNvPicPr>
-            <a:picLocks noChangeAspect="1" noChangeArrowheads="1"/>
-          </p:cNvPicPr>
-          <p:nvPr/>
-        </p:nvPicPr>
-        <p:blipFill>
-          <a:blip r:embed="rId2">
-            <a:extLst>
-              <a:ext uri="{28A0092B-C50C-407E-A947-70E740481C1C}">
-                <a14:useLocalDpi xmlns:a14="http://schemas.microsoft.com/office/drawing/2010/main" val="0"/>
-              </a:ext>
-            </a:extLst>
-          </a:blip>
-          <a:srcRect/>
-          <a:stretch>
-            <a:fillRect/>
-          </a:stretch>
-        </p:blipFill>
-        <p:spPr bwMode="auto">
-          <a:xfrm>
-            <a:off x="5547360" y="3139440"/>
-            <a:ext cx="1097280" cy="1097280"/>
-          </a:xfrm>
-          <a:prstGeom prst="rect">
-            <a:avLst/>
-          </a:prstGeom>
-          <a:noFill/>
-          <a:extLst>
-            <a:ext uri="{909E8E84-426E-40DD-AFC4-6F175D3DCCD1}">
-              <a14:hiddenFill xmlns:a14="http://schemas.microsoft.com/office/drawing/2010/main">
-                <a:solidFill>
-                  <a:srgbClr val="FFFFFF"/>
-                </a:solidFill>
-              </a14:hiddenFill>
-            </a:ext>
-          </a:extLst>
-        </p:spPr>
-      </p:pic>
       <p:sp>
         <p:nvSpPr>
           <p:cNvPr id="8" name="직사각형 7">
@@ -14875,6 +16417,263 @@
       </p:sp>
       <p:grpSp>
         <p:nvGrpSpPr>
+          <p:cNvPr id="32" name="그룹 31">
+            <a:extLst>
+              <a:ext uri="{FF2B5EF4-FFF2-40B4-BE49-F238E27FC236}">
+                <a16:creationId xmlns:a16="http://schemas.microsoft.com/office/drawing/2014/main" id="{B8430023-C325-55DE-F7E7-47E863E13234}"/>
+              </a:ext>
+            </a:extLst>
+          </p:cNvPr>
+          <p:cNvGrpSpPr/>
+          <p:nvPr/>
+        </p:nvGrpSpPr>
+        <p:grpSpPr>
+          <a:xfrm>
+            <a:off x="4167406" y="5480771"/>
+            <a:ext cx="6264431" cy="1323439"/>
+            <a:chOff x="4167406" y="4082150"/>
+            <a:chExt cx="6264431" cy="1323439"/>
+          </a:xfrm>
+        </p:grpSpPr>
+        <p:sp>
+          <p:nvSpPr>
+            <p:cNvPr id="26" name="TextBox 25">
+              <a:extLst>
+                <a:ext uri="{FF2B5EF4-FFF2-40B4-BE49-F238E27FC236}">
+                  <a16:creationId xmlns:a16="http://schemas.microsoft.com/office/drawing/2014/main" id="{53618E3D-3210-48CE-CA69-31182B323F07}"/>
+                </a:ext>
+              </a:extLst>
+            </p:cNvPr>
+            <p:cNvSpPr txBox="1"/>
+            <p:nvPr/>
+          </p:nvSpPr>
+          <p:spPr>
+            <a:xfrm>
+              <a:off x="4167406" y="4082150"/>
+              <a:ext cx="1558514" cy="1323439"/>
+            </a:xfrm>
+            <a:prstGeom prst="rect">
+              <a:avLst/>
+            </a:prstGeom>
+            <a:noFill/>
+          </p:spPr>
+          <p:txBody>
+            <a:bodyPr wrap="square">
+              <a:spAutoFit/>
+            </a:bodyPr>
+            <a:lstStyle/>
+            <a:p>
+              <a:r>
+                <a:rPr lang="ko-KR" altLang="en-US" sz="8000" b="0" i="0" dirty="0">
+                  <a:solidFill>
+                    <a:srgbClr val="50546F"/>
+                  </a:solidFill>
+                  <a:effectLst/>
+                  <a:latin typeface="apple color emoji"/>
+                </a:rPr>
+                <a:t>🤬</a:t>
+              </a:r>
+              <a:endParaRPr lang="ko-KR" altLang="en-US" dirty="0"/>
+            </a:p>
+          </p:txBody>
+        </p:sp>
+        <p:sp>
+          <p:nvSpPr>
+            <p:cNvPr id="28" name="TextBox 27">
+              <a:extLst>
+                <a:ext uri="{FF2B5EF4-FFF2-40B4-BE49-F238E27FC236}">
+                  <a16:creationId xmlns:a16="http://schemas.microsoft.com/office/drawing/2014/main" id="{4F4391B1-E51D-DD69-6165-E4F5BF7AA169}"/>
+                </a:ext>
+              </a:extLst>
+            </p:cNvPr>
+            <p:cNvSpPr txBox="1"/>
+            <p:nvPr/>
+          </p:nvSpPr>
+          <p:spPr>
+            <a:xfrm>
+              <a:off x="8873323" y="4082150"/>
+              <a:ext cx="1558514" cy="1323439"/>
+            </a:xfrm>
+            <a:prstGeom prst="rect">
+              <a:avLst/>
+            </a:prstGeom>
+            <a:noFill/>
+          </p:spPr>
+          <p:txBody>
+            <a:bodyPr wrap="square">
+              <a:spAutoFit/>
+            </a:bodyPr>
+            <a:lstStyle/>
+            <a:p>
+              <a:r>
+                <a:rPr lang="ko-KR" altLang="en-US" sz="8000" b="0" i="0" dirty="0">
+                  <a:solidFill>
+                    <a:srgbClr val="50546F"/>
+                  </a:solidFill>
+                  <a:effectLst/>
+                  <a:latin typeface="apple color emoji"/>
+                </a:rPr>
+                <a:t>🤬</a:t>
+              </a:r>
+              <a:endParaRPr lang="ko-KR" altLang="en-US" dirty="0"/>
+            </a:p>
+          </p:txBody>
+        </p:sp>
+      </p:grpSp>
+      <p:grpSp>
+        <p:nvGrpSpPr>
+          <p:cNvPr id="31" name="그룹 30">
+            <a:extLst>
+              <a:ext uri="{FF2B5EF4-FFF2-40B4-BE49-F238E27FC236}">
+                <a16:creationId xmlns:a16="http://schemas.microsoft.com/office/drawing/2014/main" id="{8F0ACCDC-8081-5573-754E-96494BC2C58E}"/>
+              </a:ext>
+            </a:extLst>
+          </p:cNvPr>
+          <p:cNvGrpSpPr/>
+          <p:nvPr/>
+        </p:nvGrpSpPr>
+        <p:grpSpPr>
+          <a:xfrm>
+            <a:off x="1760163" y="5472412"/>
+            <a:ext cx="6399474" cy="1323439"/>
+            <a:chOff x="1760163" y="4082150"/>
+            <a:chExt cx="6399474" cy="1323439"/>
+          </a:xfrm>
+        </p:grpSpPr>
+        <p:sp>
+          <p:nvSpPr>
+            <p:cNvPr id="3" name="TextBox 2">
+              <a:extLst>
+                <a:ext uri="{FF2B5EF4-FFF2-40B4-BE49-F238E27FC236}">
+                  <a16:creationId xmlns:a16="http://schemas.microsoft.com/office/drawing/2014/main" id="{E29BF6E7-4A9D-CCC9-0C28-B295704B2BE3}"/>
+                </a:ext>
+              </a:extLst>
+            </p:cNvPr>
+            <p:cNvSpPr txBox="1"/>
+            <p:nvPr/>
+          </p:nvSpPr>
+          <p:spPr>
+            <a:xfrm>
+              <a:off x="1760163" y="4082150"/>
+              <a:ext cx="1558514" cy="1323439"/>
+            </a:xfrm>
+            <a:prstGeom prst="rect">
+              <a:avLst/>
+            </a:prstGeom>
+            <a:noFill/>
+          </p:spPr>
+          <p:txBody>
+            <a:bodyPr wrap="square">
+              <a:spAutoFit/>
+            </a:bodyPr>
+            <a:lstStyle/>
+            <a:p>
+              <a:r>
+                <a:rPr lang="ko-KR" altLang="en-US" sz="8000" b="0" i="0" dirty="0">
+                  <a:solidFill>
+                    <a:srgbClr val="50546F"/>
+                  </a:solidFill>
+                  <a:effectLst/>
+                  <a:latin typeface="apple color emoji"/>
+                </a:rPr>
+                <a:t>🤬</a:t>
+              </a:r>
+              <a:endParaRPr lang="ko-KR" altLang="en-US" dirty="0"/>
+            </a:p>
+          </p:txBody>
+        </p:sp>
+        <p:sp>
+          <p:nvSpPr>
+            <p:cNvPr id="27" name="TextBox 26">
+              <a:extLst>
+                <a:ext uri="{FF2B5EF4-FFF2-40B4-BE49-F238E27FC236}">
+                  <a16:creationId xmlns:a16="http://schemas.microsoft.com/office/drawing/2014/main" id="{B05158C9-F3BE-D292-16A4-482D4B1E8FF7}"/>
+                </a:ext>
+              </a:extLst>
+            </p:cNvPr>
+            <p:cNvSpPr txBox="1"/>
+            <p:nvPr/>
+          </p:nvSpPr>
+          <p:spPr>
+            <a:xfrm>
+              <a:off x="6601123" y="4082150"/>
+              <a:ext cx="1558514" cy="1323439"/>
+            </a:xfrm>
+            <a:prstGeom prst="rect">
+              <a:avLst/>
+            </a:prstGeom>
+            <a:noFill/>
+          </p:spPr>
+          <p:txBody>
+            <a:bodyPr wrap="square">
+              <a:spAutoFit/>
+            </a:bodyPr>
+            <a:lstStyle/>
+            <a:p>
+              <a:r>
+                <a:rPr lang="ko-KR" altLang="en-US" sz="8000" b="0" i="0" dirty="0">
+                  <a:solidFill>
+                    <a:srgbClr val="50546F"/>
+                  </a:solidFill>
+                  <a:effectLst/>
+                  <a:latin typeface="apple color emoji"/>
+                </a:rPr>
+                <a:t>🤬</a:t>
+              </a:r>
+              <a:endParaRPr lang="ko-KR" altLang="en-US" dirty="0"/>
+            </a:p>
+          </p:txBody>
+        </p:sp>
+      </p:grpSp>
+      <p:pic>
+        <p:nvPicPr>
+          <p:cNvPr id="7" name="Picture 6">
+            <a:extLst>
+              <a:ext uri="{FF2B5EF4-FFF2-40B4-BE49-F238E27FC236}">
+                <a16:creationId xmlns:a16="http://schemas.microsoft.com/office/drawing/2014/main" id="{B94A4EA4-1C41-A54D-8214-9B8C9735966C}"/>
+              </a:ext>
+            </a:extLst>
+          </p:cNvPr>
+          <p:cNvPicPr>
+            <a:picLocks noChangeAspect="1" noChangeArrowheads="1"/>
+          </p:cNvPicPr>
+          <p:nvPr/>
+        </p:nvPicPr>
+        <p:blipFill>
+          <a:blip r:embed="rId2">
+            <a:extLst>
+              <a:ext uri="{28A0092B-C50C-407E-A947-70E740481C1C}">
+                <a14:useLocalDpi xmlns:a14="http://schemas.microsoft.com/office/drawing/2010/main" val="0"/>
+              </a:ext>
+            </a:extLst>
+          </a:blip>
+          <a:srcRect/>
+          <a:stretch>
+            <a:fillRect/>
+          </a:stretch>
+        </p:blipFill>
+        <p:spPr bwMode="auto">
+          <a:xfrm>
+            <a:off x="5547360" y="3139440"/>
+            <a:ext cx="1097280" cy="1097280"/>
+          </a:xfrm>
+          <a:prstGeom prst="rect">
+            <a:avLst/>
+          </a:prstGeom>
+          <a:noFill/>
+          <a:extLst>
+            <a:ext uri="{909E8E84-426E-40DD-AFC4-6F175D3DCCD1}">
+              <a14:hiddenFill xmlns:a14="http://schemas.microsoft.com/office/drawing/2010/main">
+                <a:solidFill>
+                  <a:srgbClr val="FFFFFF"/>
+                </a:solidFill>
+              </a14:hiddenFill>
+            </a:ext>
+          </a:extLst>
+        </p:spPr>
+      </p:pic>
+      <p:grpSp>
+        <p:nvGrpSpPr>
           <p:cNvPr id="9" name="그룹 8">
             <a:extLst>
               <a:ext uri="{FF2B5EF4-FFF2-40B4-BE49-F238E27FC236}">
@@ -14887,7 +16686,7 @@
         </p:nvGrpSpPr>
         <p:grpSpPr>
           <a:xfrm>
-            <a:off x="1487299" y="5433836"/>
+            <a:off x="1487299" y="5283369"/>
             <a:ext cx="9237686" cy="4130989"/>
             <a:chOff x="1553357" y="6470196"/>
             <a:chExt cx="9237686" cy="4130989"/>
@@ -16209,11 +18008,11 @@
   <p:clrMapOvr>
     <a:masterClrMapping/>
   </p:clrMapOvr>
-  <mc:AlternateContent xmlns:mc="http://schemas.openxmlformats.org/markup-compatibility/2006" xmlns:p14="http://schemas.microsoft.com/office/powerpoint/2010/main">
-    <mc:Choice Requires="p14">
+  <mc:AlternateContent xmlns:mc="http://schemas.openxmlformats.org/markup-compatibility/2006">
+    <mc:Choice xmlns:p14="http://schemas.microsoft.com/office/powerpoint/2010/main" Requires="p14">
       <p:transition spd="slow" p14:dur="2000" advClick="0" advTm="8000"/>
     </mc:Choice>
-    <mc:Fallback xmlns="">
+    <mc:Fallback>
       <p:transition spd="slow" advClick="0" advTm="8000"/>
     </mc:Fallback>
   </mc:AlternateContent>
@@ -16323,24 +18122,46 @@
                                   </p:childTnLst>
                                 </p:cTn>
                               </p:par>
+                              <p:par>
+                                <p:cTn id="12" presetID="42" presetClass="path" presetSubtype="0" accel="50000" decel="50000" fill="hold" nodeType="withEffect">
+                                  <p:stCondLst>
+                                    <p:cond delay="2000"/>
+                                  </p:stCondLst>
+                                  <p:childTnLst>
+                                    <p:animMotion origin="layout" path="M -8.33333E-7 -4.44444E-6 L 0.00039 -0.22222 " pathEditMode="relative" rAng="0" ptsTypes="AA">
+                                      <p:cBhvr>
+                                        <p:cTn id="13" dur="1000" fill="hold"/>
+                                        <p:tgtEl>
+                                          <p:spTgt spid="31"/>
+                                        </p:tgtEl>
+                                        <p:attrNameLst>
+                                          <p:attrName>ppt_x</p:attrName>
+                                          <p:attrName>ppt_y</p:attrName>
+                                        </p:attrNameLst>
+                                      </p:cBhvr>
+                                      <p:rCtr x="13" y="-11111"/>
+                                    </p:animMotion>
+                                  </p:childTnLst>
+                                </p:cTn>
+                              </p:par>
                             </p:childTnLst>
                           </p:cTn>
                         </p:par>
                         <p:par>
-                          <p:cTn id="12" fill="hold">
+                          <p:cTn id="14" fill="hold">
                             <p:stCondLst>
-                              <p:cond delay="2500"/>
+                              <p:cond delay="3500"/>
                             </p:stCondLst>
                             <p:childTnLst>
                               <p:par>
-                                <p:cTn id="13" presetID="31" presetClass="entr" presetSubtype="0" fill="hold" grpId="0" nodeType="afterEffect">
+                                <p:cTn id="15" presetID="31" presetClass="entr" presetSubtype="0" fill="hold" grpId="0" nodeType="afterEffect">
                                   <p:stCondLst>
                                     <p:cond delay="2000"/>
                                   </p:stCondLst>
                                   <p:childTnLst>
                                     <p:set>
                                       <p:cBhvr>
-                                        <p:cTn id="14" dur="1" fill="hold">
+                                        <p:cTn id="16" dur="1" fill="hold">
                                           <p:stCondLst>
                                             <p:cond delay="0"/>
                                           </p:stCondLst>
@@ -16358,7 +18179,7 @@
                                     </p:set>
                                     <p:anim calcmode="lin" valueType="num">
                                       <p:cBhvr>
-                                        <p:cTn id="15" dur="500" fill="hold"/>
+                                        <p:cTn id="17" dur="500" fill="hold"/>
                                         <p:tgtEl>
                                           <p:spTgt spid="24"/>
                                         </p:tgtEl>
@@ -16381,7 +18202,7 @@
                                     </p:anim>
                                     <p:anim calcmode="lin" valueType="num">
                                       <p:cBhvr>
-                                        <p:cTn id="16" dur="500" fill="hold"/>
+                                        <p:cTn id="18" dur="500" fill="hold"/>
                                         <p:tgtEl>
                                           <p:spTgt spid="24"/>
                                         </p:tgtEl>
@@ -16404,7 +18225,7 @@
                                     </p:anim>
                                     <p:anim calcmode="lin" valueType="num">
                                       <p:cBhvr>
-                                        <p:cTn id="17" dur="500" fill="hold"/>
+                                        <p:cTn id="19" dur="500" fill="hold"/>
                                         <p:tgtEl>
                                           <p:spTgt spid="24"/>
                                         </p:tgtEl>
@@ -16427,7 +18248,7 @@
                                     </p:anim>
                                     <p:animEffect transition="in" filter="fade">
                                       <p:cBhvr>
-                                        <p:cTn id="18" dur="500"/>
+                                        <p:cTn id="20" dur="500"/>
                                         <p:tgtEl>
                                           <p:spTgt spid="24"/>
                                         </p:tgtEl>
@@ -16437,14 +18258,14 @@
                                 </p:cTn>
                               </p:par>
                               <p:par>
-                                <p:cTn id="19" presetID="1" presetClass="exit" presetSubtype="0" fill="hold" grpId="1" nodeType="withEffect">
+                                <p:cTn id="21" presetID="1" presetClass="exit" presetSubtype="0" fill="hold" grpId="1" nodeType="withEffect">
                                   <p:stCondLst>
                                     <p:cond delay="2000"/>
                                   </p:stCondLst>
                                   <p:childTnLst>
                                     <p:set>
                                       <p:cBhvr>
-                                        <p:cTn id="20" dur="1" fill="hold">
+                                        <p:cTn id="22" dur="1" fill="hold">
                                           <p:stCondLst>
                                             <p:cond delay="0"/>
                                           </p:stCondLst>
@@ -16464,14 +18285,14 @@
                                 </p:cTn>
                               </p:par>
                               <p:par>
-                                <p:cTn id="21" presetID="1" presetClass="entr" presetSubtype="0" fill="hold" grpId="0" nodeType="withEffect">
+                                <p:cTn id="23" presetID="1" presetClass="entr" presetSubtype="0" fill="hold" grpId="0" nodeType="withEffect">
                                   <p:stCondLst>
                                     <p:cond delay="2000"/>
                                   </p:stCondLst>
                                   <p:childTnLst>
                                     <p:set>
                                       <p:cBhvr>
-                                        <p:cTn id="22" dur="1" fill="hold">
+                                        <p:cTn id="24" dur="1" fill="hold">
                                           <p:stCondLst>
                                             <p:cond delay="0"/>
                                           </p:stCondLst>
@@ -16494,20 +18315,20 @@
                           </p:cTn>
                         </p:par>
                         <p:par>
-                          <p:cTn id="23" fill="hold">
+                          <p:cTn id="25" fill="hold">
                             <p:stCondLst>
-                              <p:cond delay="5000"/>
+                              <p:cond delay="6000"/>
                             </p:stCondLst>
                             <p:childTnLst>
                               <p:par>
-                                <p:cTn id="24" presetID="1" presetClass="entr" presetSubtype="0" fill="hold" grpId="2" nodeType="afterEffect">
+                                <p:cTn id="26" presetID="1" presetClass="entr" presetSubtype="0" fill="hold" grpId="2" nodeType="afterEffect">
                                   <p:stCondLst>
                                     <p:cond delay="2000"/>
                                   </p:stCondLst>
                                   <p:childTnLst>
                                     <p:set>
                                       <p:cBhvr>
-                                        <p:cTn id="25" dur="1" fill="hold">
+                                        <p:cTn id="27" dur="1" fill="hold">
                                           <p:stCondLst>
                                             <p:cond delay="0"/>
                                           </p:stCondLst>
@@ -16527,14 +18348,14 @@
                                 </p:cTn>
                               </p:par>
                               <p:par>
-                                <p:cTn id="26" presetID="1" presetClass="exit" presetSubtype="0" fill="hold" grpId="1" nodeType="withEffect">
+                                <p:cTn id="28" presetID="1" presetClass="exit" presetSubtype="0" fill="hold" grpId="1" nodeType="withEffect">
                                   <p:stCondLst>
                                     <p:cond delay="2000"/>
                                   </p:stCondLst>
                                   <p:childTnLst>
                                     <p:set>
                                       <p:cBhvr>
-                                        <p:cTn id="27" dur="1" fill="hold">
+                                        <p:cTn id="29" dur="1" fill="hold">
                                           <p:stCondLst>
                                             <p:cond delay="0"/>
                                           </p:stCondLst>
@@ -16550,6 +18371,28 @@
                                         <p:strVal val="hidden"/>
                                       </p:to>
                                     </p:set>
+                                  </p:childTnLst>
+                                </p:cTn>
+                              </p:par>
+                              <p:par>
+                                <p:cTn id="30" presetID="42" presetClass="path" presetSubtype="0" accel="50000" decel="50000" fill="hold" nodeType="withEffect">
+                                  <p:stCondLst>
+                                    <p:cond delay="2000"/>
+                                  </p:stCondLst>
+                                  <p:childTnLst>
+                                    <p:animMotion origin="layout" path="M 2.08333E-6 -1.85185E-6 L 0.00273 -0.22477 " pathEditMode="relative" rAng="0" ptsTypes="AA">
+                                      <p:cBhvr>
+                                        <p:cTn id="31" dur="1000" fill="hold"/>
+                                        <p:tgtEl>
+                                          <p:spTgt spid="32"/>
+                                        </p:tgtEl>
+                                        <p:attrNameLst>
+                                          <p:attrName>ppt_x</p:attrName>
+                                          <p:attrName>ppt_y</p:attrName>
+                                        </p:attrNameLst>
+                                      </p:cBhvr>
+                                      <p:rCtr x="130" y="-11250"/>
+                                    </p:animMotion>
                                   </p:childTnLst>
                                 </p:cTn>
                               </p:par>
@@ -16593,7 +18436,7 @@
 </p:sld>
 </file>
 
-<file path=ppt/slides/slide21.xml><?xml version="1.0" encoding="utf-8"?>
+<file path=ppt/slides/slide22.xml><?xml version="1.0" encoding="utf-8"?>
 <p:sld xmlns:a="http://schemas.openxmlformats.org/drawingml/2006/main" xmlns:r="http://schemas.openxmlformats.org/officeDocument/2006/relationships" xmlns:p="http://schemas.openxmlformats.org/presentationml/2006/main">
   <p:cSld>
     <p:spTree>
@@ -16610,6 +18453,236 @@
           <a:chExt cx="0" cy="0"/>
         </a:xfrm>
       </p:grpSpPr>
+      <p:grpSp>
+        <p:nvGrpSpPr>
+          <p:cNvPr id="2" name="그룹 1">
+            <a:extLst>
+              <a:ext uri="{FF2B5EF4-FFF2-40B4-BE49-F238E27FC236}">
+                <a16:creationId xmlns:a16="http://schemas.microsoft.com/office/drawing/2014/main" id="{139E82D4-024E-C893-2A7C-E76639EECACD}"/>
+              </a:ext>
+            </a:extLst>
+          </p:cNvPr>
+          <p:cNvGrpSpPr/>
+          <p:nvPr/>
+        </p:nvGrpSpPr>
+        <p:grpSpPr>
+          <a:xfrm>
+            <a:off x="0" y="-1"/>
+            <a:ext cx="12192000" cy="27540716"/>
+            <a:chOff x="0" y="-1"/>
+            <a:chExt cx="12192000" cy="27540716"/>
+          </a:xfrm>
+        </p:grpSpPr>
+        <p:grpSp>
+          <p:nvGrpSpPr>
+            <p:cNvPr id="3" name="그룹 2">
+              <a:extLst>
+                <a:ext uri="{FF2B5EF4-FFF2-40B4-BE49-F238E27FC236}">
+                  <a16:creationId xmlns:a16="http://schemas.microsoft.com/office/drawing/2014/main" id="{9154683A-BD4C-5F11-2C00-F46C2C67C0B0}"/>
+                </a:ext>
+              </a:extLst>
+            </p:cNvPr>
+            <p:cNvGrpSpPr/>
+            <p:nvPr/>
+          </p:nvGrpSpPr>
+          <p:grpSpPr>
+            <a:xfrm>
+              <a:off x="0" y="-1"/>
+              <a:ext cx="12192000" cy="13770358"/>
+              <a:chOff x="0" y="-1"/>
+              <a:chExt cx="12192000" cy="13770358"/>
+            </a:xfrm>
+          </p:grpSpPr>
+          <p:pic>
+            <p:nvPicPr>
+              <p:cNvPr id="8" name="Picture 2" descr="무지게 배경에 대한 이미지 결과">
+                <a:extLst>
+                  <a:ext uri="{FF2B5EF4-FFF2-40B4-BE49-F238E27FC236}">
+                    <a16:creationId xmlns:a16="http://schemas.microsoft.com/office/drawing/2014/main" id="{2C820DAD-4E92-B857-EF79-6E836EACDC29}"/>
+                  </a:ext>
+                </a:extLst>
+              </p:cNvPr>
+              <p:cNvPicPr>
+                <a:picLocks noChangeAspect="1" noChangeArrowheads="1"/>
+              </p:cNvPicPr>
+              <p:nvPr/>
+            </p:nvPicPr>
+            <p:blipFill>
+              <a:blip r:embed="rId2">
+                <a:extLst>
+                  <a:ext uri="{28A0092B-C50C-407E-A947-70E740481C1C}">
+                    <a14:useLocalDpi xmlns:a14="http://schemas.microsoft.com/office/drawing/2010/main" val="0"/>
+                  </a:ext>
+                </a:extLst>
+              </a:blip>
+              <a:srcRect/>
+              <a:stretch>
+                <a:fillRect/>
+              </a:stretch>
+            </p:blipFill>
+            <p:spPr bwMode="auto">
+              <a:xfrm>
+                <a:off x="0" y="-1"/>
+                <a:ext cx="12192000" cy="6885179"/>
+              </a:xfrm>
+              <a:prstGeom prst="rect">
+                <a:avLst/>
+              </a:prstGeom>
+              <a:noFill/>
+              <a:extLst>
+                <a:ext uri="{909E8E84-426E-40DD-AFC4-6F175D3DCCD1}">
+                  <a14:hiddenFill xmlns:a14="http://schemas.microsoft.com/office/drawing/2010/main">
+                    <a:solidFill>
+                      <a:srgbClr val="FFFFFF"/>
+                    </a:solidFill>
+                  </a14:hiddenFill>
+                </a:ext>
+              </a:extLst>
+            </p:spPr>
+          </p:pic>
+          <p:pic>
+            <p:nvPicPr>
+              <p:cNvPr id="9" name="Picture 2" descr="무지게 배경에 대한 이미지 결과">
+                <a:extLst>
+                  <a:ext uri="{FF2B5EF4-FFF2-40B4-BE49-F238E27FC236}">
+                    <a16:creationId xmlns:a16="http://schemas.microsoft.com/office/drawing/2014/main" id="{BE468381-C81F-AF35-0C95-AC5D7975536C}"/>
+                  </a:ext>
+                </a:extLst>
+              </p:cNvPr>
+              <p:cNvPicPr>
+                <a:picLocks noChangeAspect="1" noChangeArrowheads="1"/>
+              </p:cNvPicPr>
+              <p:nvPr/>
+            </p:nvPicPr>
+            <p:blipFill>
+              <a:blip r:embed="rId2">
+                <a:extLst>
+                  <a:ext uri="{28A0092B-C50C-407E-A947-70E740481C1C}">
+                    <a14:useLocalDpi xmlns:a14="http://schemas.microsoft.com/office/drawing/2010/main" val="0"/>
+                  </a:ext>
+                </a:extLst>
+              </a:blip>
+              <a:srcRect/>
+              <a:stretch>
+                <a:fillRect/>
+              </a:stretch>
+            </p:blipFill>
+            <p:spPr bwMode="auto">
+              <a:xfrm>
+                <a:off x="0" y="6885178"/>
+                <a:ext cx="12192000" cy="6885179"/>
+              </a:xfrm>
+              <a:prstGeom prst="rect">
+                <a:avLst/>
+              </a:prstGeom>
+              <a:noFill/>
+              <a:extLst>
+                <a:ext uri="{909E8E84-426E-40DD-AFC4-6F175D3DCCD1}">
+                  <a14:hiddenFill xmlns:a14="http://schemas.microsoft.com/office/drawing/2010/main">
+                    <a:solidFill>
+                      <a:srgbClr val="FFFFFF"/>
+                    </a:solidFill>
+                  </a14:hiddenFill>
+                </a:ext>
+              </a:extLst>
+            </p:spPr>
+          </p:pic>
+        </p:grpSp>
+        <p:pic>
+          <p:nvPicPr>
+            <p:cNvPr id="6" name="Picture 2" descr="무지게 배경에 대한 이미지 결과">
+              <a:extLst>
+                <a:ext uri="{FF2B5EF4-FFF2-40B4-BE49-F238E27FC236}">
+                  <a16:creationId xmlns:a16="http://schemas.microsoft.com/office/drawing/2014/main" id="{FACABC4F-58A2-678A-F134-5A1C89ECC6A6}"/>
+                </a:ext>
+              </a:extLst>
+            </p:cNvPr>
+            <p:cNvPicPr>
+              <a:picLocks noChangeAspect="1" noChangeArrowheads="1"/>
+            </p:cNvPicPr>
+            <p:nvPr/>
+          </p:nvPicPr>
+          <p:blipFill>
+            <a:blip r:embed="rId2">
+              <a:extLst>
+                <a:ext uri="{28A0092B-C50C-407E-A947-70E740481C1C}">
+                  <a14:useLocalDpi xmlns:a14="http://schemas.microsoft.com/office/drawing/2010/main" val="0"/>
+                </a:ext>
+              </a:extLst>
+            </a:blip>
+            <a:srcRect/>
+            <a:stretch>
+              <a:fillRect/>
+            </a:stretch>
+          </p:blipFill>
+          <p:spPr bwMode="auto">
+            <a:xfrm>
+              <a:off x="0" y="13770357"/>
+              <a:ext cx="12192000" cy="6885179"/>
+            </a:xfrm>
+            <a:prstGeom prst="rect">
+              <a:avLst/>
+            </a:prstGeom>
+            <a:noFill/>
+            <a:extLst>
+              <a:ext uri="{909E8E84-426E-40DD-AFC4-6F175D3DCCD1}">
+                <a14:hiddenFill xmlns:a14="http://schemas.microsoft.com/office/drawing/2010/main">
+                  <a:solidFill>
+                    <a:srgbClr val="FFFFFF"/>
+                  </a:solidFill>
+                </a14:hiddenFill>
+              </a:ext>
+            </a:extLst>
+          </p:spPr>
+        </p:pic>
+        <p:pic>
+          <p:nvPicPr>
+            <p:cNvPr id="7" name="Picture 2" descr="무지게 배경에 대한 이미지 결과">
+              <a:extLst>
+                <a:ext uri="{FF2B5EF4-FFF2-40B4-BE49-F238E27FC236}">
+                  <a16:creationId xmlns:a16="http://schemas.microsoft.com/office/drawing/2014/main" id="{EA597CA8-7CBE-2574-C983-0923A33CA161}"/>
+                </a:ext>
+              </a:extLst>
+            </p:cNvPr>
+            <p:cNvPicPr>
+              <a:picLocks noChangeAspect="1" noChangeArrowheads="1"/>
+            </p:cNvPicPr>
+            <p:nvPr/>
+          </p:nvPicPr>
+          <p:blipFill>
+            <a:blip r:embed="rId2">
+              <a:extLst>
+                <a:ext uri="{28A0092B-C50C-407E-A947-70E740481C1C}">
+                  <a14:useLocalDpi xmlns:a14="http://schemas.microsoft.com/office/drawing/2010/main" val="0"/>
+                </a:ext>
+              </a:extLst>
+            </a:blip>
+            <a:srcRect/>
+            <a:stretch>
+              <a:fillRect/>
+            </a:stretch>
+          </p:blipFill>
+          <p:spPr bwMode="auto">
+            <a:xfrm>
+              <a:off x="0" y="20655536"/>
+              <a:ext cx="12192000" cy="6885179"/>
+            </a:xfrm>
+            <a:prstGeom prst="rect">
+              <a:avLst/>
+            </a:prstGeom>
+            <a:noFill/>
+            <a:extLst>
+              <a:ext uri="{909E8E84-426E-40DD-AFC4-6F175D3DCCD1}">
+                <a14:hiddenFill xmlns:a14="http://schemas.microsoft.com/office/drawing/2010/main">
+                  <a:solidFill>
+                    <a:srgbClr val="FFFFFF"/>
+                  </a:solidFill>
+                </a14:hiddenFill>
+              </a:ext>
+            </a:extLst>
+          </p:spPr>
+        </p:pic>
+      </p:grpSp>
       <p:pic>
         <p:nvPicPr>
           <p:cNvPr id="5" name="Picture 2" descr="소스 이미지 보기">
@@ -16625,11 +18698,11 @@
           <p:nvPr/>
         </p:nvPicPr>
         <p:blipFill>
-          <a:blip r:embed="rId2">
+          <a:blip r:embed="rId3">
             <a:extLst>
               <a:ext uri="{BEBA8EAE-BF5A-486C-A8C5-ECC9F3942E4B}">
                 <a14:imgProps xmlns:a14="http://schemas.microsoft.com/office/drawing/2010/main">
-                  <a14:imgLayer r:embed="rId3">
+                  <a14:imgLayer r:embed="rId4">
                     <a14:imgEffect>
                       <a14:backgroundRemoval t="5957" b="94224" l="6667" r="93333">
                         <a14:foregroundMark x1="43733" y1="45487" x2="47067" y2="51625"/>
@@ -16697,7 +18770,7 @@
         <p:spPr>
           <a:xfrm>
             <a:off x="200797" y="3083101"/>
-            <a:ext cx="11707051" cy="707886"/>
+            <a:ext cx="11800025" cy="923330"/>
           </a:xfrm>
           <a:prstGeom prst="rect">
             <a:avLst/>
@@ -16711,35 +18784,15 @@
           <a:lstStyle/>
           <a:p>
             <a:r>
-              <a:rPr lang="en-US" altLang="ko-KR" sz="4000" dirty="0">
+              <a:rPr lang="en-US" altLang="ko-KR" sz="5400" dirty="0">
                 <a:solidFill>
                   <a:srgbClr val="000000"/>
                 </a:solidFill>
                 <a:latin typeface="Comic Sans MS" panose="030F0702030302020204" pitchFamily="66" charset="0"/>
               </a:rPr>
-              <a:t>p</a:t>
+              <a:t>playing politics that everybody want</a:t>
             </a:r>
-            <a:r>
-              <a:rPr lang="en-US" altLang="ko-KR" sz="4000" b="0" i="0" dirty="0">
-                <a:solidFill>
-                  <a:srgbClr val="000000"/>
-                </a:solidFill>
-                <a:effectLst/>
-                <a:latin typeface="Comic Sans MS" panose="030F0702030302020204" pitchFamily="66" charset="0"/>
-              </a:rPr>
-              <a:t>laying politics that everybody want is </a:t>
-            </a:r>
-            <a:r>
-              <a:rPr lang="en-US" altLang="ko-KR" sz="4000" b="0" i="0" dirty="0" err="1">
-                <a:solidFill>
-                  <a:srgbClr val="000000"/>
-                </a:solidFill>
-                <a:effectLst/>
-                <a:latin typeface="Comic Sans MS" panose="030F0702030302020204" pitchFamily="66" charset="0"/>
-              </a:rPr>
-              <a:t>imposible</a:t>
-            </a:r>
-            <a:endParaRPr lang="ko-KR" altLang="en-US" sz="4000" dirty="0">
+            <a:endParaRPr lang="ko-KR" altLang="en-US" sz="5400" dirty="0">
               <a:latin typeface="Comic Sans MS" panose="030F0702030302020204" pitchFamily="66" charset="0"/>
             </a:endParaRPr>
           </a:p>
@@ -16821,24 +18874,46 @@
                                   </p:childTnLst>
                                 </p:cTn>
                               </p:par>
+                              <p:par>
+                                <p:cTn id="8" presetID="42" presetClass="path" presetSubtype="0" accel="50000" decel="50000" fill="hold" nodeType="withEffect">
+                                  <p:stCondLst>
+                                    <p:cond delay="0"/>
+                                  </p:stCondLst>
+                                  <p:childTnLst>
+                                    <p:animMotion origin="layout" path="M 0 -3.7037E-7 L 0 -3.01667 " pathEditMode="relative" rAng="0" ptsTypes="AA">
+                                      <p:cBhvr>
+                                        <p:cTn id="9" dur="2000" fill="hold"/>
+                                        <p:tgtEl>
+                                          <p:spTgt spid="2"/>
+                                        </p:tgtEl>
+                                        <p:attrNameLst>
+                                          <p:attrName>ppt_x</p:attrName>
+                                          <p:attrName>ppt_y</p:attrName>
+                                        </p:attrNameLst>
+                                      </p:cBhvr>
+                                      <p:rCtr x="0" y="-150833"/>
+                                    </p:animMotion>
+                                  </p:childTnLst>
+                                </p:cTn>
+                              </p:par>
                             </p:childTnLst>
                           </p:cTn>
                         </p:par>
                         <p:par>
-                          <p:cTn id="8" fill="hold">
+                          <p:cTn id="10" fill="hold">
                             <p:stCondLst>
                               <p:cond delay="2000"/>
                             </p:stCondLst>
                             <p:childTnLst>
                               <p:par>
-                                <p:cTn id="9" presetID="53" presetClass="entr" presetSubtype="16" fill="hold" nodeType="afterEffect">
+                                <p:cTn id="11" presetID="53" presetClass="entr" presetSubtype="16" fill="hold" nodeType="afterEffect">
                                   <p:stCondLst>
                                     <p:cond delay="0"/>
                                   </p:stCondLst>
                                   <p:childTnLst>
                                     <p:set>
                                       <p:cBhvr>
-                                        <p:cTn id="10" dur="1" fill="hold">
+                                        <p:cTn id="12" dur="1" fill="hold">
                                           <p:stCondLst>
                                             <p:cond delay="0"/>
                                           </p:stCondLst>
@@ -16856,7 +18931,7 @@
                                     </p:set>
                                     <p:anim calcmode="lin" valueType="num">
                                       <p:cBhvr>
-                                        <p:cTn id="11" dur="250" fill="hold"/>
+                                        <p:cTn id="13" dur="250" fill="hold"/>
                                         <p:tgtEl>
                                           <p:spTgt spid="5"/>
                                         </p:tgtEl>
@@ -16879,7 +18954,7 @@
                                     </p:anim>
                                     <p:anim calcmode="lin" valueType="num">
                                       <p:cBhvr>
-                                        <p:cTn id="12" dur="250" fill="hold"/>
+                                        <p:cTn id="14" dur="250" fill="hold"/>
                                         <p:tgtEl>
                                           <p:spTgt spid="5"/>
                                         </p:tgtEl>
@@ -16902,7 +18977,7 @@
                                     </p:anim>
                                     <p:animEffect transition="in" filter="fade">
                                       <p:cBhvr>
-                                        <p:cTn id="13" dur="250"/>
+                                        <p:cTn id="15" dur="250"/>
                                         <p:tgtEl>
                                           <p:spTgt spid="5"/>
                                         </p:tgtEl>
@@ -16945,7 +19020,7 @@
 </p:sld>
 </file>
 
-<file path=ppt/slides/slide22.xml><?xml version="1.0" encoding="utf-8"?>
+<file path=ppt/slides/slide23.xml><?xml version="1.0" encoding="utf-8"?>
 <p:sld xmlns:a="http://schemas.openxmlformats.org/drawingml/2006/main" xmlns:r="http://schemas.openxmlformats.org/officeDocument/2006/relationships" xmlns:p="http://schemas.openxmlformats.org/presentationml/2006/main">
   <p:cSld>
     <p:spTree>
@@ -18057,7 +20132,7 @@
 </p:sld>
 </file>
 
-<file path=ppt/slides/slide23.xml><?xml version="1.0" encoding="utf-8"?>
+<file path=ppt/slides/slide24.xml><?xml version="1.0" encoding="utf-8"?>
 <p:sld xmlns:a="http://schemas.openxmlformats.org/drawingml/2006/main" xmlns:r="http://schemas.openxmlformats.org/officeDocument/2006/relationships" xmlns:p="http://schemas.openxmlformats.org/presentationml/2006/main">
   <p:cSld>
     <p:spTree>
@@ -19048,7 +21123,7 @@
 </p:sld>
 </file>
 
-<file path=ppt/slides/slide24.xml><?xml version="1.0" encoding="utf-8"?>
+<file path=ppt/slides/slide25.xml><?xml version="1.0" encoding="utf-8"?>
 <p:sld xmlns:a="http://schemas.openxmlformats.org/drawingml/2006/main" xmlns:r="http://schemas.openxmlformats.org/officeDocument/2006/relationships" xmlns:p="http://schemas.openxmlformats.org/presentationml/2006/main">
   <p:cSld>
     <p:spTree>
@@ -19129,7 +21204,7 @@
 </p:sld>
 </file>
 
-<file path=ppt/slides/slide25.xml><?xml version="1.0" encoding="utf-8"?>
+<file path=ppt/slides/slide26.xml><?xml version="1.0" encoding="utf-8"?>
 <p:sld xmlns:a="http://schemas.openxmlformats.org/drawingml/2006/main" xmlns:r="http://schemas.openxmlformats.org/officeDocument/2006/relationships" xmlns:p="http://schemas.openxmlformats.org/presentationml/2006/main">
   <p:cSld>
     <p:spTree>
